--- a/01 - The Digital Abstraction.pptx
+++ b/01 - The Digital Abstraction.pptx
@@ -5,7 +5,7 @@
     <p:sldMasterId id="2147483659" r:id="rId1"/>
   </p:sldMasterIdLst>
   <p:notesMasterIdLst>
-    <p:notesMasterId r:id="rId15"/>
+    <p:notesMasterId r:id="rId17"/>
   </p:notesMasterIdLst>
   <p:sldIdLst>
     <p:sldId id="256" r:id="rId2"/>
@@ -17,27 +17,29 @@
     <p:sldId id="262" r:id="rId8"/>
     <p:sldId id="263" r:id="rId9"/>
     <p:sldId id="264" r:id="rId10"/>
-    <p:sldId id="276" r:id="rId11"/>
-    <p:sldId id="266" r:id="rId12"/>
-    <p:sldId id="265" r:id="rId13"/>
-    <p:sldId id="275" r:id="rId14"/>
+    <p:sldId id="278" r:id="rId11"/>
+    <p:sldId id="279" r:id="rId12"/>
+    <p:sldId id="276" r:id="rId13"/>
+    <p:sldId id="266" r:id="rId14"/>
+    <p:sldId id="265" r:id="rId15"/>
+    <p:sldId id="275" r:id="rId16"/>
   </p:sldIdLst>
   <p:sldSz cx="9144000" cy="6858000" type="screen4x3"/>
   <p:notesSz cx="6858000" cy="9144000"/>
   <p:embeddedFontLst>
     <p:embeddedFont>
       <p:font typeface="Economica" panose="02000506040000020004" pitchFamily="2" charset="77"/>
-      <p:regular r:id="rId16"/>
-      <p:bold r:id="rId17"/>
-      <p:italic r:id="rId18"/>
-      <p:boldItalic r:id="rId19"/>
+      <p:regular r:id="rId18"/>
+      <p:bold r:id="rId19"/>
+      <p:italic r:id="rId20"/>
+      <p:boldItalic r:id="rId21"/>
     </p:embeddedFont>
     <p:embeddedFont>
       <p:font typeface="Open Sans" panose="020B0606030504020204" pitchFamily="34" charset="0"/>
-      <p:regular r:id="rId20"/>
-      <p:bold r:id="rId21"/>
-      <p:italic r:id="rId22"/>
-      <p:boldItalic r:id="rId23"/>
+      <p:regular r:id="rId22"/>
+      <p:bold r:id="rId23"/>
+      <p:italic r:id="rId24"/>
+      <p:boldItalic r:id="rId25"/>
     </p:embeddedFont>
   </p:embeddedFontLst>
   <p:defaultTextStyle>
@@ -2438,6 +2440,224 @@
     </p:spTree>
     <p:extLst>
       <p:ext uri="{BB962C8B-B14F-4D97-AF65-F5344CB8AC3E}">
+        <p14:creationId xmlns:p14="http://schemas.microsoft.com/office/powerpoint/2010/main" val="3576441910"/>
+      </p:ext>
+    </p:extLst>
+  </p:cSld>
+  <p:clrMapOvr>
+    <a:masterClrMapping/>
+  </p:clrMapOvr>
+</p:notes>
+</file>
+
+<file path=ppt/notesSlides/notesSlide8.xml><?xml version="1.0" encoding="utf-8"?>
+<p:notes xmlns:a="http://schemas.openxmlformats.org/drawingml/2006/main" xmlns:r="http://schemas.openxmlformats.org/officeDocument/2006/relationships" xmlns:p="http://schemas.openxmlformats.org/presentationml/2006/main" showMasterSp="0" showMasterPhAnim="0">
+  <p:cSld>
+    <p:spTree>
+      <p:nvGrpSpPr>
+        <p:cNvPr id="1" name="Shape 79"/>
+        <p:cNvGrpSpPr/>
+        <p:nvPr/>
+      </p:nvGrpSpPr>
+      <p:grpSpPr>
+        <a:xfrm>
+          <a:off x="0" y="0"/>
+          <a:ext cx="0" cy="0"/>
+          <a:chOff x="0" y="0"/>
+          <a:chExt cx="0" cy="0"/>
+        </a:xfrm>
+      </p:grpSpPr>
+      <p:sp>
+        <p:nvSpPr>
+          <p:cNvPr id="80" name="Google Shape;80;geed6aedbf_0_0:notes"/>
+          <p:cNvSpPr>
+            <a:spLocks noGrp="1" noRot="1" noChangeAspect="1"/>
+          </p:cNvSpPr>
+          <p:nvPr>
+            <p:ph type="sldImg" idx="2"/>
+          </p:nvPr>
+        </p:nvSpPr>
+        <p:spPr>
+          <a:xfrm>
+            <a:off x="1143000" y="685800"/>
+            <a:ext cx="4572000" cy="3429000"/>
+          </a:xfrm>
+          <a:custGeom>
+            <a:avLst/>
+            <a:gdLst/>
+            <a:ahLst/>
+            <a:cxnLst/>
+            <a:rect l="l" t="t" r="r" b="b"/>
+            <a:pathLst>
+              <a:path w="120000" h="120000" extrusionOk="0">
+                <a:moveTo>
+                  <a:pt x="0" y="0"/>
+                </a:moveTo>
+                <a:lnTo>
+                  <a:pt x="120000" y="0"/>
+                </a:lnTo>
+                <a:lnTo>
+                  <a:pt x="120000" y="120000"/>
+                </a:lnTo>
+                <a:lnTo>
+                  <a:pt x="0" y="120000"/>
+                </a:lnTo>
+                <a:close/>
+              </a:path>
+            </a:pathLst>
+          </a:custGeom>
+        </p:spPr>
+      </p:sp>
+      <p:sp>
+        <p:nvSpPr>
+          <p:cNvPr id="81" name="Google Shape;81;geed6aedbf_0_0:notes"/>
+          <p:cNvSpPr txBox="1">
+            <a:spLocks noGrp="1"/>
+          </p:cNvSpPr>
+          <p:nvPr>
+            <p:ph type="body" idx="1"/>
+          </p:nvPr>
+        </p:nvSpPr>
+        <p:spPr>
+          <a:xfrm>
+            <a:off x="685800" y="4343400"/>
+            <a:ext cx="5486400" cy="4114800"/>
+          </a:xfrm>
+          <a:prstGeom prst="rect">
+            <a:avLst/>
+          </a:prstGeom>
+        </p:spPr>
+        <p:txBody>
+          <a:bodyPr spcFirstLastPara="1" wrap="square" lIns="91425" tIns="91425" rIns="91425" bIns="91425" anchor="t" anchorCtr="0">
+            <a:noAutofit/>
+          </a:bodyPr>
+          <a:lstStyle/>
+          <a:p>
+            <a:pPr marL="0" lvl="0" indent="0" algn="l" rtl="0">
+              <a:spcBef>
+                <a:spcPts val="0"/>
+              </a:spcBef>
+              <a:spcAft>
+                <a:spcPts val="0"/>
+              </a:spcAft>
+              <a:buNone/>
+            </a:pPr>
+            <a:endParaRPr/>
+          </a:p>
+        </p:txBody>
+      </p:sp>
+    </p:spTree>
+    <p:extLst>
+      <p:ext uri="{BB962C8B-B14F-4D97-AF65-F5344CB8AC3E}">
+        <p14:creationId xmlns:p14="http://schemas.microsoft.com/office/powerpoint/2010/main" val="4218161732"/>
+      </p:ext>
+    </p:extLst>
+  </p:cSld>
+  <p:clrMapOvr>
+    <a:masterClrMapping/>
+  </p:clrMapOvr>
+</p:notes>
+</file>
+
+<file path=ppt/notesSlides/notesSlide9.xml><?xml version="1.0" encoding="utf-8"?>
+<p:notes xmlns:a="http://schemas.openxmlformats.org/drawingml/2006/main" xmlns:r="http://schemas.openxmlformats.org/officeDocument/2006/relationships" xmlns:p="http://schemas.openxmlformats.org/presentationml/2006/main" showMasterSp="0" showMasterPhAnim="0">
+  <p:cSld>
+    <p:spTree>
+      <p:nvGrpSpPr>
+        <p:cNvPr id="1" name="Shape 79"/>
+        <p:cNvGrpSpPr/>
+        <p:nvPr/>
+      </p:nvGrpSpPr>
+      <p:grpSpPr>
+        <a:xfrm>
+          <a:off x="0" y="0"/>
+          <a:ext cx="0" cy="0"/>
+          <a:chOff x="0" y="0"/>
+          <a:chExt cx="0" cy="0"/>
+        </a:xfrm>
+      </p:grpSpPr>
+      <p:sp>
+        <p:nvSpPr>
+          <p:cNvPr id="80" name="Google Shape;80;geed6aedbf_0_0:notes"/>
+          <p:cNvSpPr>
+            <a:spLocks noGrp="1" noRot="1" noChangeAspect="1"/>
+          </p:cNvSpPr>
+          <p:nvPr>
+            <p:ph type="sldImg" idx="2"/>
+          </p:nvPr>
+        </p:nvSpPr>
+        <p:spPr>
+          <a:xfrm>
+            <a:off x="1143000" y="685800"/>
+            <a:ext cx="4572000" cy="3429000"/>
+          </a:xfrm>
+          <a:custGeom>
+            <a:avLst/>
+            <a:gdLst/>
+            <a:ahLst/>
+            <a:cxnLst/>
+            <a:rect l="l" t="t" r="r" b="b"/>
+            <a:pathLst>
+              <a:path w="120000" h="120000" extrusionOk="0">
+                <a:moveTo>
+                  <a:pt x="0" y="0"/>
+                </a:moveTo>
+                <a:lnTo>
+                  <a:pt x="120000" y="0"/>
+                </a:lnTo>
+                <a:lnTo>
+                  <a:pt x="120000" y="120000"/>
+                </a:lnTo>
+                <a:lnTo>
+                  <a:pt x="0" y="120000"/>
+                </a:lnTo>
+                <a:close/>
+              </a:path>
+            </a:pathLst>
+          </a:custGeom>
+        </p:spPr>
+      </p:sp>
+      <p:sp>
+        <p:nvSpPr>
+          <p:cNvPr id="81" name="Google Shape;81;geed6aedbf_0_0:notes"/>
+          <p:cNvSpPr txBox="1">
+            <a:spLocks noGrp="1"/>
+          </p:cNvSpPr>
+          <p:nvPr>
+            <p:ph type="body" idx="1"/>
+          </p:nvPr>
+        </p:nvSpPr>
+        <p:spPr>
+          <a:xfrm>
+            <a:off x="685800" y="4343400"/>
+            <a:ext cx="5486400" cy="4114800"/>
+          </a:xfrm>
+          <a:prstGeom prst="rect">
+            <a:avLst/>
+          </a:prstGeom>
+        </p:spPr>
+        <p:txBody>
+          <a:bodyPr spcFirstLastPara="1" wrap="square" lIns="91425" tIns="91425" rIns="91425" bIns="91425" anchor="t" anchorCtr="0">
+            <a:noAutofit/>
+          </a:bodyPr>
+          <a:lstStyle/>
+          <a:p>
+            <a:pPr marL="0" lvl="0" indent="0" algn="l" rtl="0">
+              <a:spcBef>
+                <a:spcPts val="0"/>
+              </a:spcBef>
+              <a:spcAft>
+                <a:spcPts val="0"/>
+              </a:spcAft>
+              <a:buNone/>
+            </a:pPr>
+            <a:endParaRPr/>
+          </a:p>
+        </p:txBody>
+      </p:sp>
+    </p:spTree>
+    <p:extLst>
+      <p:ext uri="{BB962C8B-B14F-4D97-AF65-F5344CB8AC3E}">
         <p14:creationId xmlns:p14="http://schemas.microsoft.com/office/powerpoint/2010/main" val="4273786252"/>
       </p:ext>
     </p:extLst>
@@ -7603,6 +7823,1838 @@
   <p:cSld>
     <p:spTree>
       <p:nvGrpSpPr>
+        <p:cNvPr id="1" name="Shape 82"/>
+        <p:cNvGrpSpPr/>
+        <p:nvPr/>
+      </p:nvGrpSpPr>
+      <p:grpSpPr>
+        <a:xfrm>
+          <a:off x="0" y="0"/>
+          <a:ext cx="0" cy="0"/>
+          <a:chOff x="0" y="0"/>
+          <a:chExt cx="0" cy="0"/>
+        </a:xfrm>
+      </p:grpSpPr>
+      <p:sp>
+        <p:nvSpPr>
+          <p:cNvPr id="83" name="Google Shape;83;p14"/>
+          <p:cNvSpPr txBox="1">
+            <a:spLocks noGrp="1"/>
+          </p:cNvSpPr>
+          <p:nvPr>
+            <p:ph type="title" idx="4294967295"/>
+          </p:nvPr>
+        </p:nvSpPr>
+        <p:spPr>
+          <a:xfrm>
+            <a:off x="311700" y="421233"/>
+            <a:ext cx="8520600" cy="622500"/>
+          </a:xfrm>
+          <a:prstGeom prst="rect">
+            <a:avLst/>
+          </a:prstGeom>
+        </p:spPr>
+        <p:txBody>
+          <a:bodyPr spcFirstLastPara="1" wrap="square" lIns="91425" tIns="91425" rIns="91425" bIns="91425" anchor="b" anchorCtr="0">
+            <a:noAutofit/>
+          </a:bodyPr>
+          <a:lstStyle/>
+          <a:p>
+            <a:pPr marL="0" lvl="0" indent="0" algn="l" rtl="0">
+              <a:spcBef>
+                <a:spcPts val="0"/>
+              </a:spcBef>
+              <a:spcAft>
+                <a:spcPts val="0"/>
+              </a:spcAft>
+              <a:buNone/>
+            </a:pPr>
+            <a:r>
+              <a:rPr lang="en-GB" dirty="0"/>
+              <a:t>Sampling</a:t>
+            </a:r>
+            <a:endParaRPr dirty="0"/>
+          </a:p>
+        </p:txBody>
+      </p:sp>
+      <p:sp>
+        <p:nvSpPr>
+          <p:cNvPr id="84" name="Google Shape;84;p14"/>
+          <p:cNvSpPr txBox="1">
+            <a:spLocks noGrp="1"/>
+          </p:cNvSpPr>
+          <p:nvPr>
+            <p:ph type="body" idx="1"/>
+          </p:nvPr>
+        </p:nvSpPr>
+        <p:spPr>
+          <a:xfrm>
+            <a:off x="162750" y="1119550"/>
+            <a:ext cx="8818500" cy="5317217"/>
+          </a:xfrm>
+          <a:prstGeom prst="rect">
+            <a:avLst/>
+          </a:prstGeom>
+        </p:spPr>
+        <p:txBody>
+          <a:bodyPr spcFirstLastPara="1" wrap="square" lIns="91425" tIns="91425" rIns="91425" bIns="91425" anchor="t" anchorCtr="0">
+            <a:noAutofit/>
+          </a:bodyPr>
+          <a:lstStyle/>
+          <a:p>
+            <a:endParaRPr lang="en-GB" dirty="0"/>
+          </a:p>
+          <a:p>
+            <a:pPr lvl="0"/>
+            <a:endParaRPr lang="en-GB" dirty="0"/>
+          </a:p>
+        </p:txBody>
+      </p:sp>
+      <p:sp>
+        <p:nvSpPr>
+          <p:cNvPr id="4" name="Google Shape;84;p14">
+            <a:extLst>
+              <a:ext uri="{FF2B5EF4-FFF2-40B4-BE49-F238E27FC236}">
+                <a16:creationId xmlns:a16="http://schemas.microsoft.com/office/drawing/2014/main" id="{F4D09BBD-B357-6547-1869-C5A2382FCC8B}"/>
+              </a:ext>
+            </a:extLst>
+          </p:cNvPr>
+          <p:cNvSpPr txBox="1">
+            <a:spLocks/>
+          </p:cNvSpPr>
+          <p:nvPr/>
+        </p:nvSpPr>
+        <p:spPr>
+          <a:xfrm>
+            <a:off x="311700" y="1043733"/>
+            <a:ext cx="8113209" cy="5317217"/>
+          </a:xfrm>
+          <a:prstGeom prst="rect">
+            <a:avLst/>
+          </a:prstGeom>
+          <a:noFill/>
+          <a:ln>
+            <a:noFill/>
+          </a:ln>
+        </p:spPr>
+        <p:txBody>
+          <a:bodyPr spcFirstLastPara="1" wrap="square" lIns="91425" tIns="91425" rIns="91425" bIns="91425" anchor="t" anchorCtr="0">
+            <a:noAutofit/>
+          </a:bodyPr>
+          <a:lstStyle>
+            <a:defPPr marR="0" lvl="0" algn="l" rtl="0">
+              <a:lnSpc>
+                <a:spcPct val="100000"/>
+              </a:lnSpc>
+              <a:spcBef>
+                <a:spcPts val="0"/>
+              </a:spcBef>
+              <a:spcAft>
+                <a:spcPts val="0"/>
+              </a:spcAft>
+            </a:defPPr>
+            <a:lvl1pPr marL="457200" marR="0" lvl="0" indent="-336550" algn="l" rtl="0">
+              <a:lnSpc>
+                <a:spcPct val="115000"/>
+              </a:lnSpc>
+              <a:spcBef>
+                <a:spcPts val="0"/>
+              </a:spcBef>
+              <a:spcAft>
+                <a:spcPts val="0"/>
+              </a:spcAft>
+              <a:buClr>
+                <a:schemeClr val="dk1"/>
+              </a:buClr>
+              <a:buSzPts val="1700"/>
+              <a:buFont typeface="Open Sans"/>
+              <a:buChar char="●"/>
+              <a:defRPr sz="1700" b="0" i="0" u="none" strike="noStrike" cap="none">
+                <a:solidFill>
+                  <a:schemeClr val="dk1"/>
+                </a:solidFill>
+                <a:latin typeface="Open Sans"/>
+                <a:ea typeface="Open Sans"/>
+                <a:cs typeface="Open Sans"/>
+                <a:sym typeface="Open Sans"/>
+              </a:defRPr>
+            </a:lvl1pPr>
+            <a:lvl2pPr marL="914400" marR="0" lvl="1" indent="-323850" algn="l" rtl="0">
+              <a:lnSpc>
+                <a:spcPct val="115000"/>
+              </a:lnSpc>
+              <a:spcBef>
+                <a:spcPts val="1600"/>
+              </a:spcBef>
+              <a:spcAft>
+                <a:spcPts val="0"/>
+              </a:spcAft>
+              <a:buClr>
+                <a:schemeClr val="dk1"/>
+              </a:buClr>
+              <a:buSzPts val="1500"/>
+              <a:buFont typeface="Open Sans"/>
+              <a:buChar char="○"/>
+              <a:defRPr sz="1500" b="0" i="0" u="none" strike="noStrike" cap="none">
+                <a:solidFill>
+                  <a:schemeClr val="dk1"/>
+                </a:solidFill>
+                <a:latin typeface="Open Sans"/>
+                <a:ea typeface="Open Sans"/>
+                <a:cs typeface="Open Sans"/>
+                <a:sym typeface="Open Sans"/>
+              </a:defRPr>
+            </a:lvl2pPr>
+            <a:lvl3pPr marL="1371600" marR="0" lvl="2" indent="-317500" algn="l" rtl="0">
+              <a:lnSpc>
+                <a:spcPct val="115000"/>
+              </a:lnSpc>
+              <a:spcBef>
+                <a:spcPts val="1600"/>
+              </a:spcBef>
+              <a:spcAft>
+                <a:spcPts val="0"/>
+              </a:spcAft>
+              <a:buClr>
+                <a:schemeClr val="dk1"/>
+              </a:buClr>
+              <a:buSzPts val="1400"/>
+              <a:buFont typeface="Open Sans"/>
+              <a:buChar char="■"/>
+              <a:defRPr sz="1400" b="0" i="0" u="none" strike="noStrike" cap="none">
+                <a:solidFill>
+                  <a:schemeClr val="dk1"/>
+                </a:solidFill>
+                <a:latin typeface="Open Sans"/>
+                <a:ea typeface="Open Sans"/>
+                <a:cs typeface="Open Sans"/>
+                <a:sym typeface="Open Sans"/>
+              </a:defRPr>
+            </a:lvl3pPr>
+            <a:lvl4pPr marL="1828800" marR="0" lvl="3" indent="-304800" algn="l" rtl="0">
+              <a:lnSpc>
+                <a:spcPct val="115000"/>
+              </a:lnSpc>
+              <a:spcBef>
+                <a:spcPts val="1600"/>
+              </a:spcBef>
+              <a:spcAft>
+                <a:spcPts val="0"/>
+              </a:spcAft>
+              <a:buClr>
+                <a:schemeClr val="dk1"/>
+              </a:buClr>
+              <a:buSzPts val="1200"/>
+              <a:buFont typeface="Open Sans"/>
+              <a:buChar char="●"/>
+              <a:defRPr sz="1200" b="0" i="0" u="none" strike="noStrike" cap="none">
+                <a:solidFill>
+                  <a:schemeClr val="dk1"/>
+                </a:solidFill>
+                <a:latin typeface="Open Sans"/>
+                <a:ea typeface="Open Sans"/>
+                <a:cs typeface="Open Sans"/>
+                <a:sym typeface="Open Sans"/>
+              </a:defRPr>
+            </a:lvl4pPr>
+            <a:lvl5pPr marL="2286000" marR="0" lvl="4" indent="-292100" algn="l" rtl="0">
+              <a:lnSpc>
+                <a:spcPct val="115000"/>
+              </a:lnSpc>
+              <a:spcBef>
+                <a:spcPts val="1600"/>
+              </a:spcBef>
+              <a:spcAft>
+                <a:spcPts val="0"/>
+              </a:spcAft>
+              <a:buClr>
+                <a:schemeClr val="dk1"/>
+              </a:buClr>
+              <a:buSzPts val="1000"/>
+              <a:buFont typeface="Open Sans"/>
+              <a:buChar char="○"/>
+              <a:defRPr sz="1000" b="0" i="0" u="none" strike="noStrike" cap="none">
+                <a:solidFill>
+                  <a:schemeClr val="dk1"/>
+                </a:solidFill>
+                <a:latin typeface="Open Sans"/>
+                <a:ea typeface="Open Sans"/>
+                <a:cs typeface="Open Sans"/>
+                <a:sym typeface="Open Sans"/>
+              </a:defRPr>
+            </a:lvl5pPr>
+            <a:lvl6pPr marL="2743200" marR="0" lvl="5" indent="-292100" algn="l" rtl="0">
+              <a:lnSpc>
+                <a:spcPct val="115000"/>
+              </a:lnSpc>
+              <a:spcBef>
+                <a:spcPts val="1600"/>
+              </a:spcBef>
+              <a:spcAft>
+                <a:spcPts val="0"/>
+              </a:spcAft>
+              <a:buClr>
+                <a:schemeClr val="dk1"/>
+              </a:buClr>
+              <a:buSzPts val="1000"/>
+              <a:buFont typeface="Open Sans"/>
+              <a:buChar char="■"/>
+              <a:defRPr sz="1000" b="0" i="0" u="none" strike="noStrike" cap="none">
+                <a:solidFill>
+                  <a:schemeClr val="dk1"/>
+                </a:solidFill>
+                <a:latin typeface="Open Sans"/>
+                <a:ea typeface="Open Sans"/>
+                <a:cs typeface="Open Sans"/>
+                <a:sym typeface="Open Sans"/>
+              </a:defRPr>
+            </a:lvl6pPr>
+            <a:lvl7pPr marL="3200400" marR="0" lvl="6" indent="-292100" algn="l" rtl="0">
+              <a:lnSpc>
+                <a:spcPct val="115000"/>
+              </a:lnSpc>
+              <a:spcBef>
+                <a:spcPts val="1600"/>
+              </a:spcBef>
+              <a:spcAft>
+                <a:spcPts val="0"/>
+              </a:spcAft>
+              <a:buClr>
+                <a:schemeClr val="dk1"/>
+              </a:buClr>
+              <a:buSzPts val="1000"/>
+              <a:buFont typeface="Open Sans"/>
+              <a:buChar char="●"/>
+              <a:defRPr sz="1000" b="0" i="0" u="none" strike="noStrike" cap="none">
+                <a:solidFill>
+                  <a:schemeClr val="dk1"/>
+                </a:solidFill>
+                <a:latin typeface="Open Sans"/>
+                <a:ea typeface="Open Sans"/>
+                <a:cs typeface="Open Sans"/>
+                <a:sym typeface="Open Sans"/>
+              </a:defRPr>
+            </a:lvl7pPr>
+            <a:lvl8pPr marL="3657600" marR="0" lvl="7" indent="-292100" algn="l" rtl="0">
+              <a:lnSpc>
+                <a:spcPct val="115000"/>
+              </a:lnSpc>
+              <a:spcBef>
+                <a:spcPts val="1600"/>
+              </a:spcBef>
+              <a:spcAft>
+                <a:spcPts val="0"/>
+              </a:spcAft>
+              <a:buClr>
+                <a:schemeClr val="dk1"/>
+              </a:buClr>
+              <a:buSzPts val="1000"/>
+              <a:buFont typeface="Open Sans"/>
+              <a:buChar char="○"/>
+              <a:defRPr sz="1000" b="0" i="0" u="none" strike="noStrike" cap="none">
+                <a:solidFill>
+                  <a:schemeClr val="dk1"/>
+                </a:solidFill>
+                <a:latin typeface="Open Sans"/>
+                <a:ea typeface="Open Sans"/>
+                <a:cs typeface="Open Sans"/>
+                <a:sym typeface="Open Sans"/>
+              </a:defRPr>
+            </a:lvl8pPr>
+            <a:lvl9pPr marL="4114800" marR="0" lvl="8" indent="-292100" algn="l" rtl="0">
+              <a:lnSpc>
+                <a:spcPct val="115000"/>
+              </a:lnSpc>
+              <a:spcBef>
+                <a:spcPts val="1600"/>
+              </a:spcBef>
+              <a:spcAft>
+                <a:spcPts val="1600"/>
+              </a:spcAft>
+              <a:buClr>
+                <a:schemeClr val="dk1"/>
+              </a:buClr>
+              <a:buSzPts val="1000"/>
+              <a:buFont typeface="Open Sans"/>
+              <a:buChar char="■"/>
+              <a:defRPr sz="1000" b="0" i="0" u="none" strike="noStrike" cap="none">
+                <a:solidFill>
+                  <a:schemeClr val="dk1"/>
+                </a:solidFill>
+                <a:latin typeface="Open Sans"/>
+                <a:ea typeface="Open Sans"/>
+                <a:cs typeface="Open Sans"/>
+                <a:sym typeface="Open Sans"/>
+              </a:defRPr>
+            </a:lvl9pPr>
+          </a:lstStyle>
+          <a:p>
+            <a:pPr marL="120650" indent="0">
+              <a:spcBef>
+                <a:spcPts val="600"/>
+              </a:spcBef>
+              <a:buNone/>
+            </a:pPr>
+            <a:endParaRPr lang="en-GB" dirty="0"/>
+          </a:p>
+          <a:p>
+            <a:endParaRPr lang="en-GB" dirty="0"/>
+          </a:p>
+          <a:p>
+            <a:endParaRPr lang="en-GB" dirty="0"/>
+          </a:p>
+          <a:p>
+            <a:endParaRPr lang="en-GB" dirty="0"/>
+          </a:p>
+        </p:txBody>
+      </p:sp>
+      <p:pic>
+        <p:nvPicPr>
+          <p:cNvPr id="1026" name="Picture 2" descr="undefined">
+            <a:extLst>
+              <a:ext uri="{FF2B5EF4-FFF2-40B4-BE49-F238E27FC236}">
+                <a16:creationId xmlns:a16="http://schemas.microsoft.com/office/drawing/2014/main" id="{04AD1BE1-30A6-6A08-6EB6-0441CC27E0D2}"/>
+              </a:ext>
+            </a:extLst>
+          </p:cNvPr>
+          <p:cNvPicPr>
+            <a:picLocks noChangeAspect="1" noChangeArrowheads="1"/>
+          </p:cNvPicPr>
+          <p:nvPr/>
+        </p:nvPicPr>
+        <p:blipFill>
+          <a:blip r:embed="rId3">
+            <a:extLst>
+              <a:ext uri="{28A0092B-C50C-407E-A947-70E740481C1C}">
+                <a14:useLocalDpi xmlns:a14="http://schemas.microsoft.com/office/drawing/2010/main" val="0"/>
+              </a:ext>
+            </a:extLst>
+          </a:blip>
+          <a:srcRect/>
+          <a:stretch>
+            <a:fillRect/>
+          </a:stretch>
+        </p:blipFill>
+        <p:spPr bwMode="auto">
+          <a:xfrm>
+            <a:off x="1580223" y="2893870"/>
+            <a:ext cx="5573207" cy="3618714"/>
+          </a:xfrm>
+          <a:prstGeom prst="rect">
+            <a:avLst/>
+          </a:prstGeom>
+          <a:noFill/>
+          <a:extLst>
+            <a:ext uri="{909E8E84-426E-40DD-AFC4-6F175D3DCCD1}">
+              <a14:hiddenFill xmlns:a14="http://schemas.microsoft.com/office/drawing/2010/main">
+                <a:solidFill>
+                  <a:srgbClr val="FFFFFF"/>
+                </a:solidFill>
+              </a14:hiddenFill>
+            </a:ext>
+          </a:extLst>
+        </p:spPr>
+      </p:pic>
+      <p:sp>
+        <p:nvSpPr>
+          <p:cNvPr id="2" name="Google Shape;84;p14">
+            <a:extLst>
+              <a:ext uri="{FF2B5EF4-FFF2-40B4-BE49-F238E27FC236}">
+                <a16:creationId xmlns:a16="http://schemas.microsoft.com/office/drawing/2014/main" id="{7A4951CC-B7F2-B303-020C-9C31FD34D286}"/>
+              </a:ext>
+            </a:extLst>
+          </p:cNvPr>
+          <p:cNvSpPr txBox="1">
+            <a:spLocks/>
+          </p:cNvSpPr>
+          <p:nvPr/>
+        </p:nvSpPr>
+        <p:spPr>
+          <a:xfrm>
+            <a:off x="311700" y="1043733"/>
+            <a:ext cx="8669550" cy="5468851"/>
+          </a:xfrm>
+          <a:prstGeom prst="rect">
+            <a:avLst/>
+          </a:prstGeom>
+          <a:noFill/>
+          <a:ln>
+            <a:noFill/>
+          </a:ln>
+        </p:spPr>
+        <p:txBody>
+          <a:bodyPr spcFirstLastPara="1" wrap="square" lIns="91425" tIns="91425" rIns="91425" bIns="91425" anchor="t" anchorCtr="0">
+            <a:noAutofit/>
+          </a:bodyPr>
+          <a:lstStyle>
+            <a:defPPr marR="0" lvl="0" algn="l" rtl="0">
+              <a:lnSpc>
+                <a:spcPct val="100000"/>
+              </a:lnSpc>
+              <a:spcBef>
+                <a:spcPts val="0"/>
+              </a:spcBef>
+              <a:spcAft>
+                <a:spcPts val="0"/>
+              </a:spcAft>
+            </a:defPPr>
+            <a:lvl1pPr marL="457200" marR="0" lvl="0" indent="-336550" algn="l" rtl="0">
+              <a:lnSpc>
+                <a:spcPct val="115000"/>
+              </a:lnSpc>
+              <a:spcBef>
+                <a:spcPts val="0"/>
+              </a:spcBef>
+              <a:spcAft>
+                <a:spcPts val="0"/>
+              </a:spcAft>
+              <a:buClr>
+                <a:schemeClr val="dk1"/>
+              </a:buClr>
+              <a:buSzPts val="1700"/>
+              <a:buFont typeface="Open Sans"/>
+              <a:buChar char="●"/>
+              <a:defRPr sz="1700" b="0" i="0" u="none" strike="noStrike" cap="none">
+                <a:solidFill>
+                  <a:schemeClr val="dk1"/>
+                </a:solidFill>
+                <a:latin typeface="Open Sans"/>
+                <a:ea typeface="Open Sans"/>
+                <a:cs typeface="Open Sans"/>
+                <a:sym typeface="Open Sans"/>
+              </a:defRPr>
+            </a:lvl1pPr>
+            <a:lvl2pPr marL="914400" marR="0" lvl="1" indent="-323850" algn="l" rtl="0">
+              <a:lnSpc>
+                <a:spcPct val="115000"/>
+              </a:lnSpc>
+              <a:spcBef>
+                <a:spcPts val="1600"/>
+              </a:spcBef>
+              <a:spcAft>
+                <a:spcPts val="0"/>
+              </a:spcAft>
+              <a:buClr>
+                <a:schemeClr val="dk1"/>
+              </a:buClr>
+              <a:buSzPts val="1500"/>
+              <a:buFont typeface="Open Sans"/>
+              <a:buChar char="○"/>
+              <a:defRPr sz="1500" b="0" i="0" u="none" strike="noStrike" cap="none">
+                <a:solidFill>
+                  <a:schemeClr val="dk1"/>
+                </a:solidFill>
+                <a:latin typeface="Open Sans"/>
+                <a:ea typeface="Open Sans"/>
+                <a:cs typeface="Open Sans"/>
+                <a:sym typeface="Open Sans"/>
+              </a:defRPr>
+            </a:lvl2pPr>
+            <a:lvl3pPr marL="1371600" marR="0" lvl="2" indent="-317500" algn="l" rtl="0">
+              <a:lnSpc>
+                <a:spcPct val="115000"/>
+              </a:lnSpc>
+              <a:spcBef>
+                <a:spcPts val="1600"/>
+              </a:spcBef>
+              <a:spcAft>
+                <a:spcPts val="0"/>
+              </a:spcAft>
+              <a:buClr>
+                <a:schemeClr val="dk1"/>
+              </a:buClr>
+              <a:buSzPts val="1400"/>
+              <a:buFont typeface="Open Sans"/>
+              <a:buChar char="■"/>
+              <a:defRPr sz="1400" b="0" i="0" u="none" strike="noStrike" cap="none">
+                <a:solidFill>
+                  <a:schemeClr val="dk1"/>
+                </a:solidFill>
+                <a:latin typeface="Open Sans"/>
+                <a:ea typeface="Open Sans"/>
+                <a:cs typeface="Open Sans"/>
+                <a:sym typeface="Open Sans"/>
+              </a:defRPr>
+            </a:lvl3pPr>
+            <a:lvl4pPr marL="1828800" marR="0" lvl="3" indent="-304800" algn="l" rtl="0">
+              <a:lnSpc>
+                <a:spcPct val="115000"/>
+              </a:lnSpc>
+              <a:spcBef>
+                <a:spcPts val="1600"/>
+              </a:spcBef>
+              <a:spcAft>
+                <a:spcPts val="0"/>
+              </a:spcAft>
+              <a:buClr>
+                <a:schemeClr val="dk1"/>
+              </a:buClr>
+              <a:buSzPts val="1200"/>
+              <a:buFont typeface="Open Sans"/>
+              <a:buChar char="●"/>
+              <a:defRPr sz="1200" b="0" i="0" u="none" strike="noStrike" cap="none">
+                <a:solidFill>
+                  <a:schemeClr val="dk1"/>
+                </a:solidFill>
+                <a:latin typeface="Open Sans"/>
+                <a:ea typeface="Open Sans"/>
+                <a:cs typeface="Open Sans"/>
+                <a:sym typeface="Open Sans"/>
+              </a:defRPr>
+            </a:lvl4pPr>
+            <a:lvl5pPr marL="2286000" marR="0" lvl="4" indent="-292100" algn="l" rtl="0">
+              <a:lnSpc>
+                <a:spcPct val="115000"/>
+              </a:lnSpc>
+              <a:spcBef>
+                <a:spcPts val="1600"/>
+              </a:spcBef>
+              <a:spcAft>
+                <a:spcPts val="0"/>
+              </a:spcAft>
+              <a:buClr>
+                <a:schemeClr val="dk1"/>
+              </a:buClr>
+              <a:buSzPts val="1000"/>
+              <a:buFont typeface="Open Sans"/>
+              <a:buChar char="○"/>
+              <a:defRPr sz="1000" b="0" i="0" u="none" strike="noStrike" cap="none">
+                <a:solidFill>
+                  <a:schemeClr val="dk1"/>
+                </a:solidFill>
+                <a:latin typeface="Open Sans"/>
+                <a:ea typeface="Open Sans"/>
+                <a:cs typeface="Open Sans"/>
+                <a:sym typeface="Open Sans"/>
+              </a:defRPr>
+            </a:lvl5pPr>
+            <a:lvl6pPr marL="2743200" marR="0" lvl="5" indent="-292100" algn="l" rtl="0">
+              <a:lnSpc>
+                <a:spcPct val="115000"/>
+              </a:lnSpc>
+              <a:spcBef>
+                <a:spcPts val="1600"/>
+              </a:spcBef>
+              <a:spcAft>
+                <a:spcPts val="0"/>
+              </a:spcAft>
+              <a:buClr>
+                <a:schemeClr val="dk1"/>
+              </a:buClr>
+              <a:buSzPts val="1000"/>
+              <a:buFont typeface="Open Sans"/>
+              <a:buChar char="■"/>
+              <a:defRPr sz="1000" b="0" i="0" u="none" strike="noStrike" cap="none">
+                <a:solidFill>
+                  <a:schemeClr val="dk1"/>
+                </a:solidFill>
+                <a:latin typeface="Open Sans"/>
+                <a:ea typeface="Open Sans"/>
+                <a:cs typeface="Open Sans"/>
+                <a:sym typeface="Open Sans"/>
+              </a:defRPr>
+            </a:lvl6pPr>
+            <a:lvl7pPr marL="3200400" marR="0" lvl="6" indent="-292100" algn="l" rtl="0">
+              <a:lnSpc>
+                <a:spcPct val="115000"/>
+              </a:lnSpc>
+              <a:spcBef>
+                <a:spcPts val="1600"/>
+              </a:spcBef>
+              <a:spcAft>
+                <a:spcPts val="0"/>
+              </a:spcAft>
+              <a:buClr>
+                <a:schemeClr val="dk1"/>
+              </a:buClr>
+              <a:buSzPts val="1000"/>
+              <a:buFont typeface="Open Sans"/>
+              <a:buChar char="●"/>
+              <a:defRPr sz="1000" b="0" i="0" u="none" strike="noStrike" cap="none">
+                <a:solidFill>
+                  <a:schemeClr val="dk1"/>
+                </a:solidFill>
+                <a:latin typeface="Open Sans"/>
+                <a:ea typeface="Open Sans"/>
+                <a:cs typeface="Open Sans"/>
+                <a:sym typeface="Open Sans"/>
+              </a:defRPr>
+            </a:lvl7pPr>
+            <a:lvl8pPr marL="3657600" marR="0" lvl="7" indent="-292100" algn="l" rtl="0">
+              <a:lnSpc>
+                <a:spcPct val="115000"/>
+              </a:lnSpc>
+              <a:spcBef>
+                <a:spcPts val="1600"/>
+              </a:spcBef>
+              <a:spcAft>
+                <a:spcPts val="0"/>
+              </a:spcAft>
+              <a:buClr>
+                <a:schemeClr val="dk1"/>
+              </a:buClr>
+              <a:buSzPts val="1000"/>
+              <a:buFont typeface="Open Sans"/>
+              <a:buChar char="○"/>
+              <a:defRPr sz="1000" b="0" i="0" u="none" strike="noStrike" cap="none">
+                <a:solidFill>
+                  <a:schemeClr val="dk1"/>
+                </a:solidFill>
+                <a:latin typeface="Open Sans"/>
+                <a:ea typeface="Open Sans"/>
+                <a:cs typeface="Open Sans"/>
+                <a:sym typeface="Open Sans"/>
+              </a:defRPr>
+            </a:lvl8pPr>
+            <a:lvl9pPr marL="4114800" marR="0" lvl="8" indent="-292100" algn="l" rtl="0">
+              <a:lnSpc>
+                <a:spcPct val="115000"/>
+              </a:lnSpc>
+              <a:spcBef>
+                <a:spcPts val="1600"/>
+              </a:spcBef>
+              <a:spcAft>
+                <a:spcPts val="1600"/>
+              </a:spcAft>
+              <a:buClr>
+                <a:schemeClr val="dk1"/>
+              </a:buClr>
+              <a:buSzPts val="1000"/>
+              <a:buFont typeface="Open Sans"/>
+              <a:buChar char="■"/>
+              <a:defRPr sz="1000" b="0" i="0" u="none" strike="noStrike" cap="none">
+                <a:solidFill>
+                  <a:schemeClr val="dk1"/>
+                </a:solidFill>
+                <a:latin typeface="Open Sans"/>
+                <a:ea typeface="Open Sans"/>
+                <a:cs typeface="Open Sans"/>
+                <a:sym typeface="Open Sans"/>
+              </a:defRPr>
+            </a:lvl9pPr>
+          </a:lstStyle>
+          <a:p>
+            <a:r>
+              <a:rPr lang="en-GB" dirty="0"/>
+              <a:t>The reduction of a </a:t>
+            </a:r>
+            <a:r>
+              <a:rPr lang="en-GB" b="1" dirty="0"/>
+              <a:t>continuous-time signal</a:t>
+            </a:r>
+            <a:r>
+              <a:rPr lang="en-GB" dirty="0"/>
+              <a:t> to a </a:t>
+            </a:r>
+            <a:r>
+              <a:rPr lang="en-GB" b="1" dirty="0"/>
+              <a:t>discrete-time signal</a:t>
+            </a:r>
+          </a:p>
+          <a:p>
+            <a:pPr lvl="1">
+              <a:spcBef>
+                <a:spcPts val="600"/>
+              </a:spcBef>
+            </a:pPr>
+            <a:r>
+              <a:rPr lang="en-GB" dirty="0"/>
+              <a:t>by measuring the value of the continuous function every T seconds</a:t>
+            </a:r>
+          </a:p>
+          <a:p>
+            <a:pPr lvl="2">
+              <a:spcBef>
+                <a:spcPts val="600"/>
+              </a:spcBef>
+            </a:pPr>
+            <a:r>
+              <a:rPr lang="en-GB" b="1" dirty="0"/>
+              <a:t>sampling period T</a:t>
+            </a:r>
+          </a:p>
+          <a:p>
+            <a:pPr lvl="2">
+              <a:spcBef>
+                <a:spcPts val="600"/>
+              </a:spcBef>
+            </a:pPr>
+            <a:r>
+              <a:rPr lang="en-GB" b="1" dirty="0"/>
+              <a:t>sampling frequency  f</a:t>
+            </a:r>
+            <a:r>
+              <a:rPr lang="en-GB" b="1" baseline="-25000" dirty="0"/>
+              <a:t>s</a:t>
+            </a:r>
+            <a:r>
+              <a:rPr lang="en-GB" b="1" dirty="0"/>
+              <a:t> = 1/T (sample per second, hertz)</a:t>
+            </a:r>
+          </a:p>
+          <a:p>
+            <a:pPr lvl="1">
+              <a:spcBef>
+                <a:spcPts val="600"/>
+              </a:spcBef>
+            </a:pPr>
+            <a:r>
+              <a:rPr lang="en-GB" b="1" dirty="0"/>
+              <a:t>sample</a:t>
+            </a:r>
+            <a:r>
+              <a:rPr lang="en-GB" dirty="0"/>
+              <a:t>: a value of the signal at a point in time</a:t>
+            </a:r>
+          </a:p>
+          <a:p>
+            <a:pPr lvl="1">
+              <a:spcBef>
+                <a:spcPts val="600"/>
+              </a:spcBef>
+            </a:pPr>
+            <a:endParaRPr lang="en-GB" dirty="0"/>
+          </a:p>
+          <a:p>
+            <a:pPr>
+              <a:spcBef>
+                <a:spcPts val="600"/>
+              </a:spcBef>
+            </a:pPr>
+            <a:endParaRPr lang="en-GB" dirty="0"/>
+          </a:p>
+          <a:p>
+            <a:pPr>
+              <a:spcBef>
+                <a:spcPts val="600"/>
+              </a:spcBef>
+            </a:pPr>
+            <a:endParaRPr lang="en-GB" dirty="0"/>
+          </a:p>
+          <a:p>
+            <a:pPr>
+              <a:spcBef>
+                <a:spcPts val="600"/>
+              </a:spcBef>
+            </a:pPr>
+            <a:endParaRPr lang="en-GB" dirty="0"/>
+          </a:p>
+          <a:p>
+            <a:pPr>
+              <a:spcBef>
+                <a:spcPts val="600"/>
+              </a:spcBef>
+            </a:pPr>
+            <a:endParaRPr lang="en-GB" dirty="0"/>
+          </a:p>
+          <a:p>
+            <a:pPr>
+              <a:spcBef>
+                <a:spcPts val="600"/>
+              </a:spcBef>
+            </a:pPr>
+            <a:endParaRPr lang="en-GB" dirty="0"/>
+          </a:p>
+          <a:p>
+            <a:pPr>
+              <a:spcBef>
+                <a:spcPts val="600"/>
+              </a:spcBef>
+            </a:pPr>
+            <a:endParaRPr lang="en-GB" dirty="0"/>
+          </a:p>
+          <a:p>
+            <a:pPr>
+              <a:spcBef>
+                <a:spcPts val="600"/>
+              </a:spcBef>
+            </a:pPr>
+            <a:endParaRPr lang="en-GB" dirty="0"/>
+          </a:p>
+          <a:p>
+            <a:pPr>
+              <a:spcBef>
+                <a:spcPts val="600"/>
+              </a:spcBef>
+            </a:pPr>
+            <a:r>
+              <a:rPr lang="en-GB" dirty="0"/>
+              <a:t>Which period T we need to use?</a:t>
+            </a:r>
+          </a:p>
+          <a:p>
+            <a:pPr>
+              <a:spcBef>
+                <a:spcPts val="600"/>
+              </a:spcBef>
+            </a:pPr>
+            <a:endParaRPr lang="en-GB" dirty="0"/>
+          </a:p>
+          <a:p>
+            <a:pPr>
+              <a:spcBef>
+                <a:spcPts val="600"/>
+              </a:spcBef>
+            </a:pPr>
+            <a:endParaRPr lang="en-GB" dirty="0"/>
+          </a:p>
+          <a:p>
+            <a:pPr lvl="1">
+              <a:spcBef>
+                <a:spcPts val="600"/>
+              </a:spcBef>
+            </a:pPr>
+            <a:endParaRPr lang="en-GB" dirty="0"/>
+          </a:p>
+          <a:p>
+            <a:pPr marL="120650" indent="0">
+              <a:buNone/>
+            </a:pPr>
+            <a:endParaRPr lang="en-GB" dirty="0"/>
+          </a:p>
+          <a:p>
+            <a:endParaRPr lang="en-GB" dirty="0"/>
+          </a:p>
+        </p:txBody>
+      </p:sp>
+    </p:spTree>
+    <p:extLst>
+      <p:ext uri="{BB962C8B-B14F-4D97-AF65-F5344CB8AC3E}">
+        <p14:creationId xmlns:p14="http://schemas.microsoft.com/office/powerpoint/2010/main" val="3608755259"/>
+      </p:ext>
+    </p:extLst>
+  </p:cSld>
+  <p:clrMapOvr>
+    <a:masterClrMapping/>
+  </p:clrMapOvr>
+</p:sld>
+</file>
+
+<file path=ppt/slides/slide11.xml><?xml version="1.0" encoding="utf-8"?>
+<p:sld xmlns:a="http://schemas.openxmlformats.org/drawingml/2006/main" xmlns:r="http://schemas.openxmlformats.org/officeDocument/2006/relationships" xmlns:p="http://schemas.openxmlformats.org/presentationml/2006/main">
+  <p:cSld>
+    <p:spTree>
+      <p:nvGrpSpPr>
+        <p:cNvPr id="1" name="Shape 82"/>
+        <p:cNvGrpSpPr/>
+        <p:nvPr/>
+      </p:nvGrpSpPr>
+      <p:grpSpPr>
+        <a:xfrm>
+          <a:off x="0" y="0"/>
+          <a:ext cx="0" cy="0"/>
+          <a:chOff x="0" y="0"/>
+          <a:chExt cx="0" cy="0"/>
+        </a:xfrm>
+      </p:grpSpPr>
+      <p:sp>
+        <p:nvSpPr>
+          <p:cNvPr id="83" name="Google Shape;83;p14"/>
+          <p:cNvSpPr txBox="1">
+            <a:spLocks noGrp="1"/>
+          </p:cNvSpPr>
+          <p:nvPr>
+            <p:ph type="title" idx="4294967295"/>
+          </p:nvPr>
+        </p:nvSpPr>
+        <p:spPr>
+          <a:xfrm>
+            <a:off x="311700" y="421233"/>
+            <a:ext cx="8520600" cy="622500"/>
+          </a:xfrm>
+          <a:prstGeom prst="rect">
+            <a:avLst/>
+          </a:prstGeom>
+        </p:spPr>
+        <p:txBody>
+          <a:bodyPr spcFirstLastPara="1" wrap="square" lIns="91425" tIns="91425" rIns="91425" bIns="91425" anchor="b" anchorCtr="0">
+            <a:noAutofit/>
+          </a:bodyPr>
+          <a:lstStyle/>
+          <a:p>
+            <a:pPr marL="0" lvl="0" indent="0" algn="l" rtl="0">
+              <a:spcBef>
+                <a:spcPts val="0"/>
+              </a:spcBef>
+              <a:spcAft>
+                <a:spcPts val="0"/>
+              </a:spcAft>
+              <a:buNone/>
+            </a:pPr>
+            <a:r>
+              <a:rPr lang="en-GB" dirty="0"/>
+              <a:t>Quantization</a:t>
+            </a:r>
+            <a:endParaRPr dirty="0"/>
+          </a:p>
+        </p:txBody>
+      </p:sp>
+      <p:sp>
+        <p:nvSpPr>
+          <p:cNvPr id="84" name="Google Shape;84;p14"/>
+          <p:cNvSpPr txBox="1">
+            <a:spLocks noGrp="1"/>
+          </p:cNvSpPr>
+          <p:nvPr>
+            <p:ph type="body" idx="1"/>
+          </p:nvPr>
+        </p:nvSpPr>
+        <p:spPr>
+          <a:xfrm>
+            <a:off x="162750" y="1119550"/>
+            <a:ext cx="8818500" cy="5317217"/>
+          </a:xfrm>
+          <a:prstGeom prst="rect">
+            <a:avLst/>
+          </a:prstGeom>
+        </p:spPr>
+        <p:txBody>
+          <a:bodyPr spcFirstLastPara="1" wrap="square" lIns="91425" tIns="91425" rIns="91425" bIns="91425" anchor="t" anchorCtr="0">
+            <a:noAutofit/>
+          </a:bodyPr>
+          <a:lstStyle/>
+          <a:p>
+            <a:endParaRPr lang="en-GB" dirty="0"/>
+          </a:p>
+          <a:p>
+            <a:pPr lvl="0"/>
+            <a:endParaRPr lang="en-GB" dirty="0"/>
+          </a:p>
+        </p:txBody>
+      </p:sp>
+      <p:sp>
+        <p:nvSpPr>
+          <p:cNvPr id="4" name="Google Shape;84;p14">
+            <a:extLst>
+              <a:ext uri="{FF2B5EF4-FFF2-40B4-BE49-F238E27FC236}">
+                <a16:creationId xmlns:a16="http://schemas.microsoft.com/office/drawing/2014/main" id="{F4D09BBD-B357-6547-1869-C5A2382FCC8B}"/>
+              </a:ext>
+            </a:extLst>
+          </p:cNvPr>
+          <p:cNvSpPr txBox="1">
+            <a:spLocks/>
+          </p:cNvSpPr>
+          <p:nvPr/>
+        </p:nvSpPr>
+        <p:spPr>
+          <a:xfrm>
+            <a:off x="311700" y="1043733"/>
+            <a:ext cx="8113209" cy="5317217"/>
+          </a:xfrm>
+          <a:prstGeom prst="rect">
+            <a:avLst/>
+          </a:prstGeom>
+          <a:noFill/>
+          <a:ln>
+            <a:noFill/>
+          </a:ln>
+        </p:spPr>
+        <p:txBody>
+          <a:bodyPr spcFirstLastPara="1" wrap="square" lIns="91425" tIns="91425" rIns="91425" bIns="91425" anchor="t" anchorCtr="0">
+            <a:noAutofit/>
+          </a:bodyPr>
+          <a:lstStyle>
+            <a:defPPr marR="0" lvl="0" algn="l" rtl="0">
+              <a:lnSpc>
+                <a:spcPct val="100000"/>
+              </a:lnSpc>
+              <a:spcBef>
+                <a:spcPts val="0"/>
+              </a:spcBef>
+              <a:spcAft>
+                <a:spcPts val="0"/>
+              </a:spcAft>
+            </a:defPPr>
+            <a:lvl1pPr marL="457200" marR="0" lvl="0" indent="-336550" algn="l" rtl="0">
+              <a:lnSpc>
+                <a:spcPct val="115000"/>
+              </a:lnSpc>
+              <a:spcBef>
+                <a:spcPts val="0"/>
+              </a:spcBef>
+              <a:spcAft>
+                <a:spcPts val="0"/>
+              </a:spcAft>
+              <a:buClr>
+                <a:schemeClr val="dk1"/>
+              </a:buClr>
+              <a:buSzPts val="1700"/>
+              <a:buFont typeface="Open Sans"/>
+              <a:buChar char="●"/>
+              <a:defRPr sz="1700" b="0" i="0" u="none" strike="noStrike" cap="none">
+                <a:solidFill>
+                  <a:schemeClr val="dk1"/>
+                </a:solidFill>
+                <a:latin typeface="Open Sans"/>
+                <a:ea typeface="Open Sans"/>
+                <a:cs typeface="Open Sans"/>
+                <a:sym typeface="Open Sans"/>
+              </a:defRPr>
+            </a:lvl1pPr>
+            <a:lvl2pPr marL="914400" marR="0" lvl="1" indent="-323850" algn="l" rtl="0">
+              <a:lnSpc>
+                <a:spcPct val="115000"/>
+              </a:lnSpc>
+              <a:spcBef>
+                <a:spcPts val="1600"/>
+              </a:spcBef>
+              <a:spcAft>
+                <a:spcPts val="0"/>
+              </a:spcAft>
+              <a:buClr>
+                <a:schemeClr val="dk1"/>
+              </a:buClr>
+              <a:buSzPts val="1500"/>
+              <a:buFont typeface="Open Sans"/>
+              <a:buChar char="○"/>
+              <a:defRPr sz="1500" b="0" i="0" u="none" strike="noStrike" cap="none">
+                <a:solidFill>
+                  <a:schemeClr val="dk1"/>
+                </a:solidFill>
+                <a:latin typeface="Open Sans"/>
+                <a:ea typeface="Open Sans"/>
+                <a:cs typeface="Open Sans"/>
+                <a:sym typeface="Open Sans"/>
+              </a:defRPr>
+            </a:lvl2pPr>
+            <a:lvl3pPr marL="1371600" marR="0" lvl="2" indent="-317500" algn="l" rtl="0">
+              <a:lnSpc>
+                <a:spcPct val="115000"/>
+              </a:lnSpc>
+              <a:spcBef>
+                <a:spcPts val="1600"/>
+              </a:spcBef>
+              <a:spcAft>
+                <a:spcPts val="0"/>
+              </a:spcAft>
+              <a:buClr>
+                <a:schemeClr val="dk1"/>
+              </a:buClr>
+              <a:buSzPts val="1400"/>
+              <a:buFont typeface="Open Sans"/>
+              <a:buChar char="■"/>
+              <a:defRPr sz="1400" b="0" i="0" u="none" strike="noStrike" cap="none">
+                <a:solidFill>
+                  <a:schemeClr val="dk1"/>
+                </a:solidFill>
+                <a:latin typeface="Open Sans"/>
+                <a:ea typeface="Open Sans"/>
+                <a:cs typeface="Open Sans"/>
+                <a:sym typeface="Open Sans"/>
+              </a:defRPr>
+            </a:lvl3pPr>
+            <a:lvl4pPr marL="1828800" marR="0" lvl="3" indent="-304800" algn="l" rtl="0">
+              <a:lnSpc>
+                <a:spcPct val="115000"/>
+              </a:lnSpc>
+              <a:spcBef>
+                <a:spcPts val="1600"/>
+              </a:spcBef>
+              <a:spcAft>
+                <a:spcPts val="0"/>
+              </a:spcAft>
+              <a:buClr>
+                <a:schemeClr val="dk1"/>
+              </a:buClr>
+              <a:buSzPts val="1200"/>
+              <a:buFont typeface="Open Sans"/>
+              <a:buChar char="●"/>
+              <a:defRPr sz="1200" b="0" i="0" u="none" strike="noStrike" cap="none">
+                <a:solidFill>
+                  <a:schemeClr val="dk1"/>
+                </a:solidFill>
+                <a:latin typeface="Open Sans"/>
+                <a:ea typeface="Open Sans"/>
+                <a:cs typeface="Open Sans"/>
+                <a:sym typeface="Open Sans"/>
+              </a:defRPr>
+            </a:lvl4pPr>
+            <a:lvl5pPr marL="2286000" marR="0" lvl="4" indent="-292100" algn="l" rtl="0">
+              <a:lnSpc>
+                <a:spcPct val="115000"/>
+              </a:lnSpc>
+              <a:spcBef>
+                <a:spcPts val="1600"/>
+              </a:spcBef>
+              <a:spcAft>
+                <a:spcPts val="0"/>
+              </a:spcAft>
+              <a:buClr>
+                <a:schemeClr val="dk1"/>
+              </a:buClr>
+              <a:buSzPts val="1000"/>
+              <a:buFont typeface="Open Sans"/>
+              <a:buChar char="○"/>
+              <a:defRPr sz="1000" b="0" i="0" u="none" strike="noStrike" cap="none">
+                <a:solidFill>
+                  <a:schemeClr val="dk1"/>
+                </a:solidFill>
+                <a:latin typeface="Open Sans"/>
+                <a:ea typeface="Open Sans"/>
+                <a:cs typeface="Open Sans"/>
+                <a:sym typeface="Open Sans"/>
+              </a:defRPr>
+            </a:lvl5pPr>
+            <a:lvl6pPr marL="2743200" marR="0" lvl="5" indent="-292100" algn="l" rtl="0">
+              <a:lnSpc>
+                <a:spcPct val="115000"/>
+              </a:lnSpc>
+              <a:spcBef>
+                <a:spcPts val="1600"/>
+              </a:spcBef>
+              <a:spcAft>
+                <a:spcPts val="0"/>
+              </a:spcAft>
+              <a:buClr>
+                <a:schemeClr val="dk1"/>
+              </a:buClr>
+              <a:buSzPts val="1000"/>
+              <a:buFont typeface="Open Sans"/>
+              <a:buChar char="■"/>
+              <a:defRPr sz="1000" b="0" i="0" u="none" strike="noStrike" cap="none">
+                <a:solidFill>
+                  <a:schemeClr val="dk1"/>
+                </a:solidFill>
+                <a:latin typeface="Open Sans"/>
+                <a:ea typeface="Open Sans"/>
+                <a:cs typeface="Open Sans"/>
+                <a:sym typeface="Open Sans"/>
+              </a:defRPr>
+            </a:lvl6pPr>
+            <a:lvl7pPr marL="3200400" marR="0" lvl="6" indent="-292100" algn="l" rtl="0">
+              <a:lnSpc>
+                <a:spcPct val="115000"/>
+              </a:lnSpc>
+              <a:spcBef>
+                <a:spcPts val="1600"/>
+              </a:spcBef>
+              <a:spcAft>
+                <a:spcPts val="0"/>
+              </a:spcAft>
+              <a:buClr>
+                <a:schemeClr val="dk1"/>
+              </a:buClr>
+              <a:buSzPts val="1000"/>
+              <a:buFont typeface="Open Sans"/>
+              <a:buChar char="●"/>
+              <a:defRPr sz="1000" b="0" i="0" u="none" strike="noStrike" cap="none">
+                <a:solidFill>
+                  <a:schemeClr val="dk1"/>
+                </a:solidFill>
+                <a:latin typeface="Open Sans"/>
+                <a:ea typeface="Open Sans"/>
+                <a:cs typeface="Open Sans"/>
+                <a:sym typeface="Open Sans"/>
+              </a:defRPr>
+            </a:lvl7pPr>
+            <a:lvl8pPr marL="3657600" marR="0" lvl="7" indent="-292100" algn="l" rtl="0">
+              <a:lnSpc>
+                <a:spcPct val="115000"/>
+              </a:lnSpc>
+              <a:spcBef>
+                <a:spcPts val="1600"/>
+              </a:spcBef>
+              <a:spcAft>
+                <a:spcPts val="0"/>
+              </a:spcAft>
+              <a:buClr>
+                <a:schemeClr val="dk1"/>
+              </a:buClr>
+              <a:buSzPts val="1000"/>
+              <a:buFont typeface="Open Sans"/>
+              <a:buChar char="○"/>
+              <a:defRPr sz="1000" b="0" i="0" u="none" strike="noStrike" cap="none">
+                <a:solidFill>
+                  <a:schemeClr val="dk1"/>
+                </a:solidFill>
+                <a:latin typeface="Open Sans"/>
+                <a:ea typeface="Open Sans"/>
+                <a:cs typeface="Open Sans"/>
+                <a:sym typeface="Open Sans"/>
+              </a:defRPr>
+            </a:lvl8pPr>
+            <a:lvl9pPr marL="4114800" marR="0" lvl="8" indent="-292100" algn="l" rtl="0">
+              <a:lnSpc>
+                <a:spcPct val="115000"/>
+              </a:lnSpc>
+              <a:spcBef>
+                <a:spcPts val="1600"/>
+              </a:spcBef>
+              <a:spcAft>
+                <a:spcPts val="1600"/>
+              </a:spcAft>
+              <a:buClr>
+                <a:schemeClr val="dk1"/>
+              </a:buClr>
+              <a:buSzPts val="1000"/>
+              <a:buFont typeface="Open Sans"/>
+              <a:buChar char="■"/>
+              <a:defRPr sz="1000" b="0" i="0" u="none" strike="noStrike" cap="none">
+                <a:solidFill>
+                  <a:schemeClr val="dk1"/>
+                </a:solidFill>
+                <a:latin typeface="Open Sans"/>
+                <a:ea typeface="Open Sans"/>
+                <a:cs typeface="Open Sans"/>
+                <a:sym typeface="Open Sans"/>
+              </a:defRPr>
+            </a:lvl9pPr>
+          </a:lstStyle>
+          <a:p>
+            <a:pPr marL="120650" indent="0">
+              <a:spcBef>
+                <a:spcPts val="600"/>
+              </a:spcBef>
+              <a:buNone/>
+            </a:pPr>
+            <a:endParaRPr lang="en-GB" dirty="0"/>
+          </a:p>
+          <a:p>
+            <a:endParaRPr lang="en-GB" dirty="0"/>
+          </a:p>
+          <a:p>
+            <a:endParaRPr lang="en-GB" dirty="0"/>
+          </a:p>
+          <a:p>
+            <a:endParaRPr lang="en-GB" dirty="0"/>
+          </a:p>
+        </p:txBody>
+      </p:sp>
+      <p:sp>
+        <p:nvSpPr>
+          <p:cNvPr id="2" name="Google Shape;84;p14">
+            <a:extLst>
+              <a:ext uri="{FF2B5EF4-FFF2-40B4-BE49-F238E27FC236}">
+                <a16:creationId xmlns:a16="http://schemas.microsoft.com/office/drawing/2014/main" id="{7A4951CC-B7F2-B303-020C-9C31FD34D286}"/>
+              </a:ext>
+            </a:extLst>
+          </p:cNvPr>
+          <p:cNvSpPr txBox="1">
+            <a:spLocks/>
+          </p:cNvSpPr>
+          <p:nvPr/>
+        </p:nvSpPr>
+        <p:spPr>
+          <a:xfrm>
+            <a:off x="311700" y="1043733"/>
+            <a:ext cx="8669550" cy="2385267"/>
+          </a:xfrm>
+          <a:prstGeom prst="rect">
+            <a:avLst/>
+          </a:prstGeom>
+          <a:noFill/>
+          <a:ln>
+            <a:noFill/>
+          </a:ln>
+        </p:spPr>
+        <p:txBody>
+          <a:bodyPr spcFirstLastPara="1" wrap="square" lIns="91425" tIns="91425" rIns="91425" bIns="91425" anchor="t" anchorCtr="0">
+            <a:noAutofit/>
+          </a:bodyPr>
+          <a:lstStyle>
+            <a:defPPr marR="0" lvl="0" algn="l" rtl="0">
+              <a:lnSpc>
+                <a:spcPct val="100000"/>
+              </a:lnSpc>
+              <a:spcBef>
+                <a:spcPts val="0"/>
+              </a:spcBef>
+              <a:spcAft>
+                <a:spcPts val="0"/>
+              </a:spcAft>
+            </a:defPPr>
+            <a:lvl1pPr marL="457200" marR="0" lvl="0" indent="-336550" algn="l" rtl="0">
+              <a:lnSpc>
+                <a:spcPct val="115000"/>
+              </a:lnSpc>
+              <a:spcBef>
+                <a:spcPts val="0"/>
+              </a:spcBef>
+              <a:spcAft>
+                <a:spcPts val="0"/>
+              </a:spcAft>
+              <a:buClr>
+                <a:schemeClr val="dk1"/>
+              </a:buClr>
+              <a:buSzPts val="1700"/>
+              <a:buFont typeface="Open Sans"/>
+              <a:buChar char="●"/>
+              <a:defRPr sz="1700" b="0" i="0" u="none" strike="noStrike" cap="none">
+                <a:solidFill>
+                  <a:schemeClr val="dk1"/>
+                </a:solidFill>
+                <a:latin typeface="Open Sans"/>
+                <a:ea typeface="Open Sans"/>
+                <a:cs typeface="Open Sans"/>
+                <a:sym typeface="Open Sans"/>
+              </a:defRPr>
+            </a:lvl1pPr>
+            <a:lvl2pPr marL="914400" marR="0" lvl="1" indent="-323850" algn="l" rtl="0">
+              <a:lnSpc>
+                <a:spcPct val="115000"/>
+              </a:lnSpc>
+              <a:spcBef>
+                <a:spcPts val="1600"/>
+              </a:spcBef>
+              <a:spcAft>
+                <a:spcPts val="0"/>
+              </a:spcAft>
+              <a:buClr>
+                <a:schemeClr val="dk1"/>
+              </a:buClr>
+              <a:buSzPts val="1500"/>
+              <a:buFont typeface="Open Sans"/>
+              <a:buChar char="○"/>
+              <a:defRPr sz="1500" b="0" i="0" u="none" strike="noStrike" cap="none">
+                <a:solidFill>
+                  <a:schemeClr val="dk1"/>
+                </a:solidFill>
+                <a:latin typeface="Open Sans"/>
+                <a:ea typeface="Open Sans"/>
+                <a:cs typeface="Open Sans"/>
+                <a:sym typeface="Open Sans"/>
+              </a:defRPr>
+            </a:lvl2pPr>
+            <a:lvl3pPr marL="1371600" marR="0" lvl="2" indent="-317500" algn="l" rtl="0">
+              <a:lnSpc>
+                <a:spcPct val="115000"/>
+              </a:lnSpc>
+              <a:spcBef>
+                <a:spcPts val="1600"/>
+              </a:spcBef>
+              <a:spcAft>
+                <a:spcPts val="0"/>
+              </a:spcAft>
+              <a:buClr>
+                <a:schemeClr val="dk1"/>
+              </a:buClr>
+              <a:buSzPts val="1400"/>
+              <a:buFont typeface="Open Sans"/>
+              <a:buChar char="■"/>
+              <a:defRPr sz="1400" b="0" i="0" u="none" strike="noStrike" cap="none">
+                <a:solidFill>
+                  <a:schemeClr val="dk1"/>
+                </a:solidFill>
+                <a:latin typeface="Open Sans"/>
+                <a:ea typeface="Open Sans"/>
+                <a:cs typeface="Open Sans"/>
+                <a:sym typeface="Open Sans"/>
+              </a:defRPr>
+            </a:lvl3pPr>
+            <a:lvl4pPr marL="1828800" marR="0" lvl="3" indent="-304800" algn="l" rtl="0">
+              <a:lnSpc>
+                <a:spcPct val="115000"/>
+              </a:lnSpc>
+              <a:spcBef>
+                <a:spcPts val="1600"/>
+              </a:spcBef>
+              <a:spcAft>
+                <a:spcPts val="0"/>
+              </a:spcAft>
+              <a:buClr>
+                <a:schemeClr val="dk1"/>
+              </a:buClr>
+              <a:buSzPts val="1200"/>
+              <a:buFont typeface="Open Sans"/>
+              <a:buChar char="●"/>
+              <a:defRPr sz="1200" b="0" i="0" u="none" strike="noStrike" cap="none">
+                <a:solidFill>
+                  <a:schemeClr val="dk1"/>
+                </a:solidFill>
+                <a:latin typeface="Open Sans"/>
+                <a:ea typeface="Open Sans"/>
+                <a:cs typeface="Open Sans"/>
+                <a:sym typeface="Open Sans"/>
+              </a:defRPr>
+            </a:lvl4pPr>
+            <a:lvl5pPr marL="2286000" marR="0" lvl="4" indent="-292100" algn="l" rtl="0">
+              <a:lnSpc>
+                <a:spcPct val="115000"/>
+              </a:lnSpc>
+              <a:spcBef>
+                <a:spcPts val="1600"/>
+              </a:spcBef>
+              <a:spcAft>
+                <a:spcPts val="0"/>
+              </a:spcAft>
+              <a:buClr>
+                <a:schemeClr val="dk1"/>
+              </a:buClr>
+              <a:buSzPts val="1000"/>
+              <a:buFont typeface="Open Sans"/>
+              <a:buChar char="○"/>
+              <a:defRPr sz="1000" b="0" i="0" u="none" strike="noStrike" cap="none">
+                <a:solidFill>
+                  <a:schemeClr val="dk1"/>
+                </a:solidFill>
+                <a:latin typeface="Open Sans"/>
+                <a:ea typeface="Open Sans"/>
+                <a:cs typeface="Open Sans"/>
+                <a:sym typeface="Open Sans"/>
+              </a:defRPr>
+            </a:lvl5pPr>
+            <a:lvl6pPr marL="2743200" marR="0" lvl="5" indent="-292100" algn="l" rtl="0">
+              <a:lnSpc>
+                <a:spcPct val="115000"/>
+              </a:lnSpc>
+              <a:spcBef>
+                <a:spcPts val="1600"/>
+              </a:spcBef>
+              <a:spcAft>
+                <a:spcPts val="0"/>
+              </a:spcAft>
+              <a:buClr>
+                <a:schemeClr val="dk1"/>
+              </a:buClr>
+              <a:buSzPts val="1000"/>
+              <a:buFont typeface="Open Sans"/>
+              <a:buChar char="■"/>
+              <a:defRPr sz="1000" b="0" i="0" u="none" strike="noStrike" cap="none">
+                <a:solidFill>
+                  <a:schemeClr val="dk1"/>
+                </a:solidFill>
+                <a:latin typeface="Open Sans"/>
+                <a:ea typeface="Open Sans"/>
+                <a:cs typeface="Open Sans"/>
+                <a:sym typeface="Open Sans"/>
+              </a:defRPr>
+            </a:lvl6pPr>
+            <a:lvl7pPr marL="3200400" marR="0" lvl="6" indent="-292100" algn="l" rtl="0">
+              <a:lnSpc>
+                <a:spcPct val="115000"/>
+              </a:lnSpc>
+              <a:spcBef>
+                <a:spcPts val="1600"/>
+              </a:spcBef>
+              <a:spcAft>
+                <a:spcPts val="0"/>
+              </a:spcAft>
+              <a:buClr>
+                <a:schemeClr val="dk1"/>
+              </a:buClr>
+              <a:buSzPts val="1000"/>
+              <a:buFont typeface="Open Sans"/>
+              <a:buChar char="●"/>
+              <a:defRPr sz="1000" b="0" i="0" u="none" strike="noStrike" cap="none">
+                <a:solidFill>
+                  <a:schemeClr val="dk1"/>
+                </a:solidFill>
+                <a:latin typeface="Open Sans"/>
+                <a:ea typeface="Open Sans"/>
+                <a:cs typeface="Open Sans"/>
+                <a:sym typeface="Open Sans"/>
+              </a:defRPr>
+            </a:lvl7pPr>
+            <a:lvl8pPr marL="3657600" marR="0" lvl="7" indent="-292100" algn="l" rtl="0">
+              <a:lnSpc>
+                <a:spcPct val="115000"/>
+              </a:lnSpc>
+              <a:spcBef>
+                <a:spcPts val="1600"/>
+              </a:spcBef>
+              <a:spcAft>
+                <a:spcPts val="0"/>
+              </a:spcAft>
+              <a:buClr>
+                <a:schemeClr val="dk1"/>
+              </a:buClr>
+              <a:buSzPts val="1000"/>
+              <a:buFont typeface="Open Sans"/>
+              <a:buChar char="○"/>
+              <a:defRPr sz="1000" b="0" i="0" u="none" strike="noStrike" cap="none">
+                <a:solidFill>
+                  <a:schemeClr val="dk1"/>
+                </a:solidFill>
+                <a:latin typeface="Open Sans"/>
+                <a:ea typeface="Open Sans"/>
+                <a:cs typeface="Open Sans"/>
+                <a:sym typeface="Open Sans"/>
+              </a:defRPr>
+            </a:lvl8pPr>
+            <a:lvl9pPr marL="4114800" marR="0" lvl="8" indent="-292100" algn="l" rtl="0">
+              <a:lnSpc>
+                <a:spcPct val="115000"/>
+              </a:lnSpc>
+              <a:spcBef>
+                <a:spcPts val="1600"/>
+              </a:spcBef>
+              <a:spcAft>
+                <a:spcPts val="1600"/>
+              </a:spcAft>
+              <a:buClr>
+                <a:schemeClr val="dk1"/>
+              </a:buClr>
+              <a:buSzPts val="1000"/>
+              <a:buFont typeface="Open Sans"/>
+              <a:buChar char="■"/>
+              <a:defRPr sz="1000" b="0" i="0" u="none" strike="noStrike" cap="none">
+                <a:solidFill>
+                  <a:schemeClr val="dk1"/>
+                </a:solidFill>
+                <a:latin typeface="Open Sans"/>
+                <a:ea typeface="Open Sans"/>
+                <a:cs typeface="Open Sans"/>
+                <a:sym typeface="Open Sans"/>
+              </a:defRPr>
+            </a:lvl9pPr>
+          </a:lstStyle>
+          <a:p>
+            <a:r>
+              <a:rPr lang="en-GB" b="1" dirty="0"/>
+              <a:t>Mapping</a:t>
+            </a:r>
+            <a:r>
+              <a:rPr lang="en-GB" dirty="0"/>
+              <a:t> input values from a </a:t>
+            </a:r>
+            <a:br>
+              <a:rPr lang="en-GB" dirty="0"/>
+            </a:br>
+            <a:r>
+              <a:rPr lang="en-GB" dirty="0"/>
+              <a:t>continuous set to output values </a:t>
+            </a:r>
+            <a:br>
+              <a:rPr lang="en-GB" dirty="0"/>
+            </a:br>
+            <a:r>
+              <a:rPr lang="en-GB" dirty="0"/>
+              <a:t>in a finite number of elements </a:t>
+            </a:r>
+          </a:p>
+          <a:p>
+            <a:pPr lvl="1">
+              <a:spcBef>
+                <a:spcPts val="600"/>
+              </a:spcBef>
+            </a:pPr>
+            <a:r>
+              <a:rPr lang="en-GB" b="1" dirty="0"/>
+              <a:t>rounding</a:t>
+            </a:r>
+            <a:r>
+              <a:rPr lang="en-GB" dirty="0"/>
+              <a:t> and </a:t>
+            </a:r>
+            <a:r>
+              <a:rPr lang="en-GB" b="1" dirty="0"/>
+              <a:t>truncation</a:t>
+            </a:r>
+            <a:r>
+              <a:rPr lang="en-GB" dirty="0"/>
+              <a:t> </a:t>
+            </a:r>
+            <a:br>
+              <a:rPr lang="en-GB" dirty="0"/>
+            </a:br>
+            <a:r>
+              <a:rPr lang="en-GB" dirty="0"/>
+              <a:t>are typical examples</a:t>
+            </a:r>
+          </a:p>
+          <a:p>
+            <a:pPr lvl="1">
+              <a:spcBef>
+                <a:spcPts val="600"/>
+              </a:spcBef>
+            </a:pPr>
+            <a:endParaRPr lang="en-GB" dirty="0"/>
+          </a:p>
+          <a:p>
+            <a:pPr lvl="1">
+              <a:spcBef>
+                <a:spcPts val="600"/>
+              </a:spcBef>
+            </a:pPr>
+            <a:endParaRPr lang="en-GB" dirty="0"/>
+          </a:p>
+          <a:p>
+            <a:pPr lvl="1">
+              <a:spcBef>
+                <a:spcPts val="600"/>
+              </a:spcBef>
+            </a:pPr>
+            <a:endParaRPr lang="en-GB" dirty="0"/>
+          </a:p>
+          <a:p>
+            <a:endParaRPr lang="en-GB" dirty="0"/>
+          </a:p>
+          <a:p>
+            <a:r>
+              <a:rPr lang="en-GB" b="1" dirty="0"/>
+              <a:t>Quantization error</a:t>
+            </a:r>
+          </a:p>
+          <a:p>
+            <a:pPr lvl="1">
+              <a:spcBef>
+                <a:spcPts val="600"/>
+              </a:spcBef>
+            </a:pPr>
+            <a:r>
+              <a:rPr lang="en-GB" b="1" dirty="0"/>
+              <a:t>difference</a:t>
+            </a:r>
+            <a:r>
+              <a:rPr lang="en-GB" dirty="0"/>
+              <a:t> between the input value </a:t>
+            </a:r>
+            <a:br>
+              <a:rPr lang="en-GB" dirty="0"/>
+            </a:br>
+            <a:r>
+              <a:rPr lang="en-GB" dirty="0"/>
+              <a:t>and its quantized value</a:t>
+            </a:r>
+          </a:p>
+          <a:p>
+            <a:r>
+              <a:rPr lang="en-GB" b="1" dirty="0"/>
+              <a:t>Resolution</a:t>
+            </a:r>
+          </a:p>
+          <a:p>
+            <a:pPr lvl="1">
+              <a:spcBef>
+                <a:spcPts val="600"/>
+              </a:spcBef>
+            </a:pPr>
+            <a:r>
+              <a:rPr lang="en-GB" dirty="0"/>
+              <a:t>minute change in the input analog </a:t>
+            </a:r>
+            <a:br>
+              <a:rPr lang="en-GB" dirty="0"/>
+            </a:br>
+            <a:r>
+              <a:rPr lang="en-GB" dirty="0"/>
+              <a:t>signal which </a:t>
+            </a:r>
+            <a:r>
+              <a:rPr lang="en-GB" b="1" dirty="0"/>
+              <a:t>changes</a:t>
+            </a:r>
+            <a:r>
+              <a:rPr lang="en-GB" dirty="0"/>
+              <a:t> the output </a:t>
+            </a:r>
+            <a:br>
+              <a:rPr lang="en-GB" dirty="0"/>
+            </a:br>
+            <a:r>
+              <a:rPr lang="en-GB" dirty="0"/>
+              <a:t>digital signal </a:t>
+            </a:r>
+            <a:br>
+              <a:rPr lang="en-GB" dirty="0"/>
+            </a:br>
+            <a:endParaRPr lang="en-GB" dirty="0"/>
+          </a:p>
+          <a:p>
+            <a:pPr>
+              <a:spcBef>
+                <a:spcPts val="600"/>
+              </a:spcBef>
+            </a:pPr>
+            <a:endParaRPr lang="en-GB" dirty="0"/>
+          </a:p>
+          <a:p>
+            <a:pPr lvl="1">
+              <a:spcBef>
+                <a:spcPts val="600"/>
+              </a:spcBef>
+            </a:pPr>
+            <a:endParaRPr lang="en-GB" dirty="0"/>
+          </a:p>
+          <a:p>
+            <a:pPr marL="120650" indent="0">
+              <a:buNone/>
+            </a:pPr>
+            <a:endParaRPr lang="en-GB" dirty="0"/>
+          </a:p>
+          <a:p>
+            <a:endParaRPr lang="en-GB" dirty="0"/>
+          </a:p>
+        </p:txBody>
+      </p:sp>
+      <p:pic>
+        <p:nvPicPr>
+          <p:cNvPr id="5" name="Immagine 4" descr="Immagine che contiene linea, Diagramma, diagramma, Carattere&#10;&#10;Descrizione generata automaticamente">
+            <a:extLst>
+              <a:ext uri="{FF2B5EF4-FFF2-40B4-BE49-F238E27FC236}">
+                <a16:creationId xmlns:a16="http://schemas.microsoft.com/office/drawing/2014/main" id="{6EFD0253-6E75-12A1-CD03-8AF2BCA09317}"/>
+              </a:ext>
+            </a:extLst>
+          </p:cNvPr>
+          <p:cNvPicPr>
+            <a:picLocks noChangeAspect="1"/>
+          </p:cNvPicPr>
+          <p:nvPr/>
+        </p:nvPicPr>
+        <p:blipFill>
+          <a:blip r:embed="rId3"/>
+          <a:stretch>
+            <a:fillRect/>
+          </a:stretch>
+        </p:blipFill>
+        <p:spPr>
+          <a:xfrm>
+            <a:off x="4294891" y="891870"/>
+            <a:ext cx="4662636" cy="2582562"/>
+          </a:xfrm>
+          <a:prstGeom prst="rect">
+            <a:avLst/>
+          </a:prstGeom>
+        </p:spPr>
+      </p:pic>
+      <p:pic>
+        <p:nvPicPr>
+          <p:cNvPr id="16" name="Immagine 15" descr="Immagine che contiene linea, diagramma, Diagramma, testo&#10;&#10;Descrizione generata automaticamente">
+            <a:extLst>
+              <a:ext uri="{FF2B5EF4-FFF2-40B4-BE49-F238E27FC236}">
+                <a16:creationId xmlns:a16="http://schemas.microsoft.com/office/drawing/2014/main" id="{349AEDD1-94C4-BB3E-1AA4-4B790AF47400}"/>
+              </a:ext>
+            </a:extLst>
+          </p:cNvPr>
+          <p:cNvPicPr>
+            <a:picLocks noChangeAspect="1"/>
+          </p:cNvPicPr>
+          <p:nvPr/>
+        </p:nvPicPr>
+        <p:blipFill>
+          <a:blip r:embed="rId4"/>
+          <a:stretch>
+            <a:fillRect/>
+          </a:stretch>
+        </p:blipFill>
+        <p:spPr>
+          <a:xfrm>
+            <a:off x="4646475" y="4051500"/>
+            <a:ext cx="4249973" cy="2036109"/>
+          </a:xfrm>
+          <a:prstGeom prst="rect">
+            <a:avLst/>
+          </a:prstGeom>
+        </p:spPr>
+      </p:pic>
+    </p:spTree>
+    <p:extLst>
+      <p:ext uri="{BB962C8B-B14F-4D97-AF65-F5344CB8AC3E}">
+        <p14:creationId xmlns:p14="http://schemas.microsoft.com/office/powerpoint/2010/main" val="1103839212"/>
+      </p:ext>
+    </p:extLst>
+  </p:cSld>
+  <p:clrMapOvr>
+    <a:masterClrMapping/>
+  </p:clrMapOvr>
+</p:sld>
+</file>
+
+<file path=ppt/slides/slide12.xml><?xml version="1.0" encoding="utf-8"?>
+<p:sld xmlns:a="http://schemas.openxmlformats.org/drawingml/2006/main" xmlns:r="http://schemas.openxmlformats.org/officeDocument/2006/relationships" xmlns:p="http://schemas.openxmlformats.org/presentationml/2006/main">
+  <p:cSld>
+    <p:spTree>
+      <p:nvGrpSpPr>
         <p:cNvPr id="1" name=""/>
         <p:cNvGrpSpPr/>
         <p:nvPr/>
@@ -7615,6 +9667,121 @@
           <a:chExt cx="0" cy="0"/>
         </a:xfrm>
       </p:grpSpPr>
+      <p:sp>
+        <p:nvSpPr>
+          <p:cNvPr id="3" name="Segnaposto testo 2">
+            <a:extLst>
+              <a:ext uri="{FF2B5EF4-FFF2-40B4-BE49-F238E27FC236}">
+                <a16:creationId xmlns:a16="http://schemas.microsoft.com/office/drawing/2014/main" id="{443CA410-E246-EACE-351E-80C846A06F66}"/>
+              </a:ext>
+            </a:extLst>
+          </p:cNvPr>
+          <p:cNvSpPr>
+            <a:spLocks noGrp="1"/>
+          </p:cNvSpPr>
+          <p:nvPr>
+            <p:ph type="body" idx="1"/>
+          </p:nvPr>
+        </p:nvSpPr>
+        <p:spPr/>
+        <p:txBody>
+          <a:bodyPr/>
+          <a:lstStyle/>
+          <a:p>
+            <a:r>
+              <a:rPr lang="en-GB" dirty="0"/>
+              <a:t>A device that produces an output signal for the purpose of </a:t>
+            </a:r>
+            <a:r>
+              <a:rPr lang="en-GB" b="1" dirty="0"/>
+              <a:t>sensing a physical phenomenon</a:t>
+            </a:r>
+            <a:r>
+              <a:rPr lang="en-GB" dirty="0"/>
+              <a:t> (like heat, pressure, humidity, movement, etc.)</a:t>
+            </a:r>
+          </a:p>
+          <a:p>
+            <a:pPr lvl="1"/>
+            <a:r>
+              <a:rPr lang="en-GB" dirty="0"/>
+              <a:t>Example, light sensor: light  sensitive resistors </a:t>
+            </a:r>
+            <a:br>
+              <a:rPr lang="en-GB" dirty="0"/>
+            </a:br>
+            <a:r>
+              <a:rPr lang="en-GB" dirty="0"/>
+              <a:t>whose resistance decreases as the  intensity of </a:t>
+            </a:r>
+            <a:br>
+              <a:rPr lang="en-GB" dirty="0"/>
+            </a:br>
+            <a:r>
+              <a:rPr lang="en-GB" dirty="0"/>
+              <a:t>light they are  exposed increases</a:t>
+            </a:r>
+          </a:p>
+          <a:p>
+            <a:pPr lvl="1"/>
+            <a:endParaRPr lang="en-GB" dirty="0"/>
+          </a:p>
+          <a:p>
+            <a:pPr lvl="1"/>
+            <a:endParaRPr lang="en-GB" dirty="0"/>
+          </a:p>
+          <a:p>
+            <a:endParaRPr lang="en-GB" dirty="0"/>
+          </a:p>
+        </p:txBody>
+      </p:sp>
+      <p:pic>
+        <p:nvPicPr>
+          <p:cNvPr id="3074" name="Picture 2" descr="Light sensors - LDR, Photodiode, Phototransistor, Solar Cells">
+            <a:extLst>
+              <a:ext uri="{FF2B5EF4-FFF2-40B4-BE49-F238E27FC236}">
+                <a16:creationId xmlns:a16="http://schemas.microsoft.com/office/drawing/2014/main" id="{C6320965-FC9B-A401-4396-F47A992DA2C3}"/>
+              </a:ext>
+            </a:extLst>
+          </p:cNvPr>
+          <p:cNvPicPr>
+            <a:picLocks noChangeAspect="1" noChangeArrowheads="1"/>
+          </p:cNvPicPr>
+          <p:nvPr/>
+        </p:nvPicPr>
+        <p:blipFill>
+          <a:blip r:embed="rId2">
+            <a:extLst>
+              <a:ext uri="{28A0092B-C50C-407E-A947-70E740481C1C}">
+                <a14:useLocalDpi xmlns:a14="http://schemas.microsoft.com/office/drawing/2010/main" val="0"/>
+              </a:ext>
+            </a:extLst>
+          </a:blip>
+          <a:srcRect/>
+          <a:stretch>
+            <a:fillRect/>
+          </a:stretch>
+        </p:blipFill>
+        <p:spPr bwMode="auto">
+          <a:xfrm>
+            <a:off x="1952262" y="2850497"/>
+            <a:ext cx="1322292" cy="1157006"/>
+          </a:xfrm>
+          <a:prstGeom prst="rect">
+            <a:avLst/>
+          </a:prstGeom>
+          <a:noFill/>
+          <a:extLst>
+            <a:ext uri="{909E8E84-426E-40DD-AFC4-6F175D3DCCD1}">
+              <a14:hiddenFill xmlns:a14="http://schemas.microsoft.com/office/drawing/2010/main">
+                <a:solidFill>
+                  <a:srgbClr val="FFFFFF"/>
+                </a:solidFill>
+              </a14:hiddenFill>
+            </a:ext>
+          </a:extLst>
+        </p:spPr>
+      </p:pic>
       <p:sp>
         <p:nvSpPr>
           <p:cNvPr id="2" name="Titolo 1">
@@ -7648,82 +9815,6 @@
           </a:p>
         </p:txBody>
       </p:sp>
-      <p:sp>
-        <p:nvSpPr>
-          <p:cNvPr id="3" name="Segnaposto testo 2">
-            <a:extLst>
-              <a:ext uri="{FF2B5EF4-FFF2-40B4-BE49-F238E27FC236}">
-                <a16:creationId xmlns:a16="http://schemas.microsoft.com/office/drawing/2014/main" id="{443CA410-E246-EACE-351E-80C846A06F66}"/>
-              </a:ext>
-            </a:extLst>
-          </p:cNvPr>
-          <p:cNvSpPr>
-            <a:spLocks noGrp="1"/>
-          </p:cNvSpPr>
-          <p:nvPr>
-            <p:ph type="body" idx="1"/>
-          </p:nvPr>
-        </p:nvSpPr>
-        <p:spPr/>
-        <p:txBody>
-          <a:bodyPr/>
-          <a:lstStyle/>
-          <a:p>
-            <a:r>
-              <a:rPr lang="en-GB" dirty="0"/>
-              <a:t>A device that produces an output signal for the purpose of sensing a physical phenomenon (like heat, pressure, humidity, movement etc)</a:t>
-            </a:r>
-          </a:p>
-          <a:p>
-            <a:pPr lvl="1"/>
-            <a:r>
-              <a:rPr lang="en-GB" dirty="0"/>
-              <a:t>Example:</a:t>
-            </a:r>
-          </a:p>
-          <a:p>
-            <a:pPr lvl="1"/>
-            <a:endParaRPr lang="en-GB" dirty="0"/>
-          </a:p>
-          <a:p>
-            <a:pPr lvl="1"/>
-            <a:endParaRPr lang="en-GB" dirty="0"/>
-          </a:p>
-          <a:p>
-            <a:endParaRPr lang="en-GB" dirty="0"/>
-          </a:p>
-        </p:txBody>
-      </p:sp>
-      <p:pic>
-        <p:nvPicPr>
-          <p:cNvPr id="5" name="Immagine 4">
-            <a:extLst>
-              <a:ext uri="{FF2B5EF4-FFF2-40B4-BE49-F238E27FC236}">
-                <a16:creationId xmlns:a16="http://schemas.microsoft.com/office/drawing/2014/main" id="{BFCBB991-CC8F-563C-137D-8D471F408771}"/>
-              </a:ext>
-            </a:extLst>
-          </p:cNvPr>
-          <p:cNvPicPr>
-            <a:picLocks noChangeAspect="1"/>
-          </p:cNvPicPr>
-          <p:nvPr/>
-        </p:nvPicPr>
-        <p:blipFill>
-          <a:blip r:embed="rId2"/>
-          <a:stretch>
-            <a:fillRect/>
-          </a:stretch>
-        </p:blipFill>
-        <p:spPr>
-          <a:xfrm>
-            <a:off x="2162013" y="1987308"/>
-            <a:ext cx="4819974" cy="1074909"/>
-          </a:xfrm>
-          <a:prstGeom prst="rect">
-            <a:avLst/>
-          </a:prstGeom>
-        </p:spPr>
-      </p:pic>
       <p:pic>
         <p:nvPicPr>
           <p:cNvPr id="1026" name="Picture 2" descr="ADC and DAC for biomedical application - ScienceDirect">
@@ -7753,8 +9844,8 @@
         </p:blipFill>
         <p:spPr bwMode="auto">
           <a:xfrm>
-            <a:off x="311700" y="3704212"/>
-            <a:ext cx="4819975" cy="2049438"/>
+            <a:off x="311700" y="4177353"/>
+            <a:ext cx="4940804" cy="2100814"/>
           </a:xfrm>
           <a:prstGeom prst="rect">
             <a:avLst/>
@@ -7800,8 +9891,8 @@
         </p:blipFill>
         <p:spPr bwMode="auto">
           <a:xfrm>
-            <a:off x="5452378" y="3518048"/>
-            <a:ext cx="3675723" cy="2421766"/>
+            <a:off x="5594928" y="1896954"/>
+            <a:ext cx="3237371" cy="2132956"/>
           </a:xfrm>
           <a:prstGeom prst="rect">
             <a:avLst/>
@@ -7818,6 +9909,42 @@
           </a:extLst>
         </p:spPr>
       </p:pic>
+      <p:pic>
+        <p:nvPicPr>
+          <p:cNvPr id="4" name="Elemento grafico 3">
+            <a:extLst>
+              <a:ext uri="{FF2B5EF4-FFF2-40B4-BE49-F238E27FC236}">
+                <a16:creationId xmlns:a16="http://schemas.microsoft.com/office/drawing/2014/main" id="{FEE90D9F-1EF2-DA62-D0C6-4E37E790C1FE}"/>
+              </a:ext>
+            </a:extLst>
+          </p:cNvPr>
+          <p:cNvPicPr>
+            <a:picLocks noChangeAspect="1"/>
+          </p:cNvPicPr>
+          <p:nvPr/>
+        </p:nvPicPr>
+        <p:blipFill>
+          <a:blip r:embed="rId5">
+            <a:extLst>
+              <a:ext uri="{96DAC541-7B7A-43D3-8B79-37D633B846F1}">
+                <asvg:svgBlip xmlns:asvg="http://schemas.microsoft.com/office/drawing/2016/SVG/main" r:embed="rId6"/>
+              </a:ext>
+            </a:extLst>
+          </a:blip>
+          <a:stretch>
+            <a:fillRect/>
+          </a:stretch>
+        </p:blipFill>
+        <p:spPr>
+          <a:xfrm>
+            <a:off x="5332404" y="4181207"/>
+            <a:ext cx="3608896" cy="2255560"/>
+          </a:xfrm>
+          <a:prstGeom prst="rect">
+            <a:avLst/>
+          </a:prstGeom>
+        </p:spPr>
+      </p:pic>
     </p:spTree>
     <p:extLst>
       <p:ext uri="{BB962C8B-B14F-4D97-AF65-F5344CB8AC3E}">
@@ -7831,7 +9958,7 @@
 </p:sld>
 </file>
 
-<file path=ppt/slides/slide11.xml><?xml version="1.0" encoding="utf-8"?>
+<file path=ppt/slides/slide13.xml><?xml version="1.0" encoding="utf-8"?>
 <p:sld xmlns:a="http://schemas.openxmlformats.org/drawingml/2006/main" xmlns:r="http://schemas.openxmlformats.org/officeDocument/2006/relationships" xmlns:p="http://schemas.openxmlformats.org/presentationml/2006/main">
   <p:cSld>
     <p:spTree>
@@ -7904,6 +10031,151 @@
           <a:p>
             <a:r>
               <a:rPr lang="en-GB" dirty="0"/>
+              <a:t>A </a:t>
+            </a:r>
+            <a:r>
+              <a:rPr lang="en-GB" b="1" dirty="0"/>
+              <a:t>set of </a:t>
+            </a:r>
+            <a:r>
+              <a:rPr lang="en-GB" b="1" i="1" dirty="0"/>
+              <a:t>S</a:t>
+            </a:r>
+            <a:r>
+              <a:rPr lang="en-GB" b="1" dirty="0"/>
+              <a:t> symbols </a:t>
+            </a:r>
+            <a:r>
+              <a:rPr lang="en-GB" dirty="0"/>
+              <a:t>and a </a:t>
+            </a:r>
+            <a:r>
+              <a:rPr lang="en-GB" b="1" dirty="0"/>
+              <a:t>word of length </a:t>
+            </a:r>
+            <a:r>
+              <a:rPr lang="en-GB" b="1" i="1" dirty="0"/>
+              <a:t>D</a:t>
+            </a:r>
+            <a:r>
+              <a:rPr lang="en-GB" i="1" dirty="0"/>
+              <a:t>,</a:t>
+            </a:r>
+            <a:r>
+              <a:rPr lang="en-GB" dirty="0"/>
+              <a:t> we can obtain </a:t>
+            </a:r>
+            <a:r>
+              <a:rPr lang="en-GB" b="1" i="1" dirty="0"/>
+              <a:t>S</a:t>
+            </a:r>
+            <a:r>
+              <a:rPr lang="en-GB" b="1" i="1" baseline="30000" dirty="0"/>
+              <a:t>D</a:t>
+            </a:r>
+            <a:r>
+              <a:rPr lang="en-GB" b="1" dirty="0"/>
+              <a:t> distinct encodings</a:t>
+            </a:r>
+          </a:p>
+          <a:p>
+            <a:r>
+              <a:rPr lang="en-GB" dirty="0"/>
+              <a:t>If we have a </a:t>
+            </a:r>
+            <a:r>
+              <a:rPr lang="en-GB" b="1" dirty="0"/>
+              <a:t>set of </a:t>
+            </a:r>
+            <a:r>
+              <a:rPr lang="en-GB" b="1" i="1" dirty="0"/>
+              <a:t>N</a:t>
+            </a:r>
+            <a:r>
+              <a:rPr lang="en-GB" b="1" dirty="0"/>
+              <a:t> objects </a:t>
+            </a:r>
+            <a:r>
+              <a:rPr lang="en-GB" dirty="0"/>
+              <a:t>that we want to encode, then </a:t>
+            </a:r>
+            <a:r>
+              <a:rPr lang="en-GB" b="1" i="1" dirty="0"/>
+              <a:t>S</a:t>
+            </a:r>
+            <a:r>
+              <a:rPr lang="en-GB" b="1" i="1" baseline="30000" dirty="0"/>
+              <a:t>D</a:t>
+            </a:r>
+            <a:r>
+              <a:rPr lang="en-GB" b="1" i="1" dirty="0"/>
+              <a:t> &gt;= N</a:t>
+            </a:r>
+          </a:p>
+          <a:p>
+            <a:pPr>
+              <a:lnSpc>
+                <a:spcPct val="100000"/>
+              </a:lnSpc>
+              <a:spcBef>
+                <a:spcPts val="600"/>
+              </a:spcBef>
+              <a:spcAft>
+                <a:spcPts val="600"/>
+              </a:spcAft>
+            </a:pPr>
+            <a:r>
+              <a:rPr lang="en-GB" dirty="0"/>
+              <a:t>In general, </a:t>
+            </a:r>
+            <a:r>
+              <a:rPr lang="en-GB" b="1" dirty="0"/>
+              <a:t>we know </a:t>
+            </a:r>
+            <a:r>
+              <a:rPr lang="en-GB" b="1" i="1" dirty="0"/>
+              <a:t>N</a:t>
+            </a:r>
+            <a:r>
+              <a:rPr lang="en-GB" b="1" dirty="0"/>
+              <a:t> and </a:t>
+            </a:r>
+            <a:r>
+              <a:rPr lang="en-GB" b="1" i="1" dirty="0"/>
+              <a:t>S</a:t>
+            </a:r>
+            <a:r>
+              <a:rPr lang="en-GB" b="1" dirty="0"/>
+              <a:t> </a:t>
+            </a:r>
+            <a:r>
+              <a:rPr lang="en-GB" dirty="0"/>
+              <a:t>and we want to </a:t>
+            </a:r>
+            <a:r>
+              <a:rPr lang="en-GB" b="1" dirty="0"/>
+              <a:t>find the minimum </a:t>
+            </a:r>
+            <a:r>
+              <a:rPr lang="en-GB" b="1" i="1" dirty="0"/>
+              <a:t>D &gt;= </a:t>
+            </a:r>
+            <a:r>
+              <a:rPr lang="en-GB" b="1" i="1" dirty="0" err="1"/>
+              <a:t>log</a:t>
+            </a:r>
+            <a:r>
+              <a:rPr lang="en-GB" b="1" i="1" baseline="-25000" dirty="0" err="1"/>
+              <a:t>S</a:t>
+            </a:r>
+            <a:r>
+              <a:rPr lang="en-GB" b="1" i="1" dirty="0"/>
+              <a:t> N</a:t>
+            </a:r>
+          </a:p>
+          <a:p>
+            <a:r>
+              <a:rPr lang="en-GB" dirty="0"/>
               <a:t>The amount of information D of </a:t>
             </a:r>
             <a:r>
@@ -7912,6 +10184,14 @@
             </a:r>
             <a:r>
               <a:rPr lang="en-GB" dirty="0"/>
+              <a:t>(S=2)</a:t>
+            </a:r>
+            <a:r>
+              <a:rPr lang="en-GB" b="1" dirty="0"/>
+              <a:t> </a:t>
+            </a:r>
+            <a:r>
+              <a:rPr lang="en-GB" dirty="0"/>
               <a:t>with N distinct states is measured in units of </a:t>
             </a:r>
             <a:r>
@@ -7920,7 +10200,7 @@
             </a:r>
             <a:r>
               <a:rPr lang="en-GB" dirty="0"/>
-              <a:t> (binary digits, a bit is 0 or 1) as:</a:t>
+              <a:t> as:</a:t>
             </a:r>
           </a:p>
           <a:p>
@@ -7936,16 +10216,33 @@
               </a:spcAft>
             </a:pPr>
             <a:r>
-              <a:rPr lang="en-GB" dirty="0"/>
+              <a:rPr lang="en-GB" b="1" dirty="0"/>
               <a:t>D = log</a:t>
             </a:r>
             <a:r>
-              <a:rPr lang="en-GB" baseline="-25000" dirty="0"/>
+              <a:rPr lang="en-GB" b="1" baseline="-25000" dirty="0"/>
               <a:t>2</a:t>
             </a:r>
             <a:r>
-              <a:rPr lang="en-GB" dirty="0"/>
+              <a:rPr lang="en-GB" b="1" dirty="0"/>
               <a:t>N [bits]</a:t>
+            </a:r>
+          </a:p>
+          <a:p>
+            <a:pPr>
+              <a:lnSpc>
+                <a:spcPct val="100000"/>
+              </a:lnSpc>
+              <a:spcBef>
+                <a:spcPts val="600"/>
+              </a:spcBef>
+              <a:spcAft>
+                <a:spcPts val="600"/>
+              </a:spcAft>
+            </a:pPr>
+            <a:r>
+              <a:rPr lang="en-GB" dirty="0"/>
+              <a:t>Examples:</a:t>
             </a:r>
           </a:p>
           <a:p>
@@ -7960,23 +10257,17 @@
                 <a:spcPts val="600"/>
               </a:spcAft>
             </a:pPr>
-            <a:endParaRPr lang="en-GB" dirty="0"/>
-          </a:p>
-          <a:p>
-            <a:pPr>
-              <a:lnSpc>
-                <a:spcPct val="100000"/>
-              </a:lnSpc>
-              <a:spcBef>
-                <a:spcPts val="600"/>
-              </a:spcBef>
-              <a:spcAft>
-                <a:spcPts val="600"/>
-              </a:spcAft>
-            </a:pPr>
-            <a:r>
-              <a:rPr lang="en-GB" dirty="0"/>
-              <a:t>Examples:</a:t>
+            <a:r>
+              <a:rPr lang="en-GB" dirty="0"/>
+              <a:t>a binary variable has log</a:t>
+            </a:r>
+            <a:r>
+              <a:rPr lang="en-GB" baseline="-25000" dirty="0"/>
+              <a:t>2</a:t>
+            </a:r>
+            <a:r>
+              <a:rPr lang="en-GB" dirty="0"/>
+              <a:t>2 = 1 bit of information</a:t>
             </a:r>
           </a:p>
           <a:p>
@@ -7993,15 +10284,40 @@
             </a:pPr>
             <a:r>
               <a:rPr lang="en-GB" dirty="0"/>
-              <a:t>a binary variable conveys log</a:t>
-            </a:r>
-            <a:r>
-              <a:rPr lang="en-GB" baseline="-25000" dirty="0"/>
-              <a:t>2</a:t>
-            </a:r>
-            <a:r>
-              <a:rPr lang="en-GB" dirty="0"/>
-              <a:t>2 = 1 bit of information</a:t>
+              <a:t>to represent the 75 alphanumeric values (uppercase and lowercase characters, digits and special characters) we need a variable with 7 bits</a:t>
+            </a:r>
+          </a:p>
+          <a:p>
+            <a:pPr lvl="2">
+              <a:lnSpc>
+                <a:spcPct val="100000"/>
+              </a:lnSpc>
+              <a:spcBef>
+                <a:spcPts val="600"/>
+              </a:spcBef>
+              <a:spcAft>
+                <a:spcPts val="600"/>
+              </a:spcAft>
+            </a:pPr>
+            <a:r>
+              <a:rPr lang="en-GB" dirty="0"/>
+              <a:t>original </a:t>
+            </a:r>
+            <a:r>
+              <a:rPr lang="en-GB" b="1" dirty="0"/>
+              <a:t>ASCII</a:t>
+            </a:r>
+            <a:r>
+              <a:rPr lang="en-GB" dirty="0"/>
+              <a:t> (</a:t>
+            </a:r>
+            <a:r>
+              <a:rPr lang="en-GB" b="1" dirty="0"/>
+              <a:t>American Standard for Information Interchange</a:t>
+            </a:r>
+            <a:r>
+              <a:rPr lang="en-GB" dirty="0"/>
+              <a:t>) code was 7 bits</a:t>
             </a:r>
           </a:p>
           <a:p>
@@ -8018,27 +10334,23 @@
             </a:pPr>
             <a:r>
               <a:rPr lang="en-GB" dirty="0"/>
-              <a:t>each of Babbage’s gears carried log</a:t>
-            </a:r>
-            <a:r>
-              <a:rPr lang="en-GB" baseline="-25000" dirty="0"/>
-              <a:t>2</a:t>
-            </a:r>
-            <a:r>
-              <a:rPr lang="en-GB" dirty="0"/>
-              <a:t>10 = 3.322 bits of information, because it could be in one of 2</a:t>
-            </a:r>
-            <a:r>
-              <a:rPr lang="en-GB" baseline="30000" dirty="0"/>
-              <a:t>3.322</a:t>
-            </a:r>
-            <a:r>
-              <a:rPr lang="en-GB" dirty="0"/>
-              <a:t> = 10 unique positions</a:t>
-            </a:r>
-          </a:p>
-          <a:p>
-            <a:pPr lvl="1">
+              <a:t>a continuous signal theoretically contains </a:t>
+            </a:r>
+            <a:r>
+              <a:rPr lang="en-GB" b="1" dirty="0"/>
+              <a:t>an infinite amount of information </a:t>
+            </a:r>
+            <a:r>
+              <a:rPr lang="en-GB" dirty="0"/>
+              <a:t>because it can take on an </a:t>
+            </a:r>
+            <a:r>
+              <a:rPr lang="en-GB" b="1" dirty="0"/>
+              <a:t>infinite number of values</a:t>
+            </a:r>
+          </a:p>
+          <a:p>
+            <a:pPr lvl="2">
               <a:lnSpc>
                 <a:spcPct val="100000"/>
               </a:lnSpc>
@@ -8051,24 +10363,11 @@
             </a:pPr>
             <a:r>
               <a:rPr lang="en-GB" dirty="0"/>
-              <a:t>a continuous signal theoretically contains an infinite amount of information because it can take on an infinite number of values</a:t>
-            </a:r>
-          </a:p>
-          <a:p>
-            <a:pPr lvl="1">
-              <a:lnSpc>
-                <a:spcPct val="100000"/>
-              </a:lnSpc>
-              <a:spcBef>
-                <a:spcPts val="600"/>
-              </a:spcBef>
-              <a:spcAft>
-                <a:spcPts val="600"/>
-              </a:spcAft>
-            </a:pPr>
-            <a:r>
-              <a:rPr lang="en-GB" dirty="0"/>
-              <a:t>in practice, noise and measurement error limit the information to only 10 to 16 bits for most continuous signals</a:t>
+              <a:t>in practice, noise and measurement error limit the information to only </a:t>
+            </a:r>
+            <a:r>
+              <a:rPr lang="en-GB" b="1" dirty="0"/>
+              <a:t>10 to 16 bits for most continuous signals</a:t>
             </a:r>
           </a:p>
         </p:txBody>
@@ -8086,7 +10385,7 @@
 </p:sld>
 </file>
 
-<file path=ppt/slides/slide12.xml><?xml version="1.0" encoding="utf-8"?>
+<file path=ppt/slides/slide14.xml><?xml version="1.0" encoding="utf-8"?>
 <p:sld xmlns:a="http://schemas.openxmlformats.org/drawingml/2006/main" xmlns:r="http://schemas.openxmlformats.org/officeDocument/2006/relationships" xmlns:p="http://schemas.openxmlformats.org/presentationml/2006/main">
   <p:cSld>
     <p:spTree>
@@ -8153,7 +10452,12 @@
             <p:ph type="body" idx="1"/>
           </p:nvPr>
         </p:nvSpPr>
-        <p:spPr/>
+        <p:spPr>
+          <a:xfrm>
+            <a:off x="202700" y="1370681"/>
+            <a:ext cx="8818500" cy="5113200"/>
+          </a:xfrm>
+        </p:spPr>
         <p:txBody>
           <a:bodyPr/>
           <a:lstStyle/>
@@ -8252,20 +10556,24 @@
             <a:pPr lvl="1"/>
             <a:r>
               <a:rPr lang="en-GB" dirty="0"/>
-              <a:t>on the other hand, understanding the details of the </a:t>
+              <a:t>on the other hand, </a:t>
+            </a:r>
+            <a:r>
+              <a:rPr lang="en-GB" u="sng" dirty="0"/>
+              <a:t>understanding the details of the </a:t>
             </a:r>
             <a:br>
-              <a:rPr lang="en-GB" dirty="0"/>
+              <a:rPr lang="en-GB" u="sng" dirty="0"/>
             </a:br>
             <a:r>
-              <a:rPr lang="en-GB" dirty="0"/>
+              <a:rPr lang="en-GB" u="sng" dirty="0"/>
               <a:t>hardware allows the programmer to optimize the software </a:t>
             </a:r>
             <a:br>
-              <a:rPr lang="en-GB" dirty="0"/>
+              <a:rPr lang="en-GB" u="sng" dirty="0"/>
             </a:br>
             <a:r>
-              <a:rPr lang="en-GB" dirty="0"/>
+              <a:rPr lang="en-GB" u="sng" dirty="0"/>
               <a:t>better for that specific computer</a:t>
             </a:r>
           </a:p>
@@ -8314,7 +10622,7 @@
 </p:sld>
 </file>
 
-<file path=ppt/slides/slide13.xml><?xml version="1.0" encoding="utf-8"?>
+<file path=ppt/slides/slide15.xml><?xml version="1.0" encoding="utf-8"?>
 <p:sld xmlns:a="http://schemas.openxmlformats.org/drawingml/2006/main" xmlns:r="http://schemas.openxmlformats.org/officeDocument/2006/relationships" xmlns:p="http://schemas.openxmlformats.org/presentationml/2006/main">
   <p:cSld>
     <p:spTree>
@@ -8367,7 +10675,7 @@
             </a:pPr>
             <a:r>
               <a:rPr lang="en-GB" dirty="0"/>
-              <a:t>Exercises (1)</a:t>
+              <a:t>Exercises</a:t>
             </a:r>
             <a:endParaRPr dirty="0"/>
           </a:p>
@@ -8468,7 +10776,15 @@
             </a:r>
             <a:r>
               <a:rPr lang="en-GB" dirty="0"/>
-              <a:t>48 = 5.58 bits of information. (b) Knowing whether it is before or after noon adds one more bit</a:t>
+              <a:t>48 = 5.58 bits of information</a:t>
+            </a:r>
+            <a:r>
+              <a:rPr lang="en-GB"/>
+              <a:t>. (</a:t>
+            </a:r>
+            <a:r>
+              <a:rPr lang="en-GB" dirty="0"/>
+              <a:t>b) Knowing whether it is before or after noon adds one more bit</a:t>
             </a:r>
           </a:p>
         </p:txBody>
@@ -8554,8 +10870,8 @@
         </p:nvSpPr>
         <p:spPr>
           <a:xfrm>
-            <a:off x="311700" y="1043733"/>
-            <a:ext cx="8818500" cy="5113200"/>
+            <a:off x="311700" y="1247920"/>
+            <a:ext cx="7935655" cy="5113200"/>
           </a:xfrm>
         </p:spPr>
         <p:txBody>
@@ -8601,6 +10917,14 @@
             </a:r>
           </a:p>
           <a:p>
+            <a:pPr lvl="1">
+              <a:spcBef>
+                <a:spcPts val="600"/>
+              </a:spcBef>
+            </a:pPr>
+            <a:endParaRPr lang="en-GB" dirty="0"/>
+          </a:p>
+          <a:p>
             <a:pPr>
               <a:spcBef>
                 <a:spcPts val="600"/>
@@ -8612,6 +10936,36 @@
             </a:r>
           </a:p>
           <a:p>
+            <a:pPr lvl="1">
+              <a:spcBef>
+                <a:spcPts val="600"/>
+              </a:spcBef>
+            </a:pPr>
+            <a:r>
+              <a:rPr lang="en-GB" dirty="0"/>
+              <a:t>Sampling</a:t>
+            </a:r>
+          </a:p>
+          <a:p>
+            <a:pPr lvl="1">
+              <a:spcBef>
+                <a:spcPts val="600"/>
+              </a:spcBef>
+            </a:pPr>
+            <a:r>
+              <a:rPr lang="en-GB" dirty="0"/>
+              <a:t>Quantization</a:t>
+            </a:r>
+          </a:p>
+          <a:p>
+            <a:pPr lvl="1">
+              <a:spcBef>
+                <a:spcPts val="600"/>
+              </a:spcBef>
+            </a:pPr>
+            <a:endParaRPr lang="en-GB" dirty="0"/>
+          </a:p>
+          <a:p>
             <a:pPr>
               <a:spcBef>
                 <a:spcPts val="600"/>
@@ -8628,10 +10982,26 @@
                 <a:spcPts val="600"/>
               </a:spcBef>
             </a:pPr>
+            <a:endParaRPr lang="en-GB" dirty="0"/>
+          </a:p>
+          <a:p>
+            <a:pPr>
+              <a:spcBef>
+                <a:spcPts val="600"/>
+              </a:spcBef>
+            </a:pPr>
             <a:r>
               <a:rPr lang="en-GB" dirty="0"/>
               <a:t>Amount of information</a:t>
             </a:r>
+          </a:p>
+          <a:p>
+            <a:pPr>
+              <a:spcBef>
+                <a:spcPts val="600"/>
+              </a:spcBef>
+            </a:pPr>
+            <a:endParaRPr lang="en-GB" dirty="0"/>
           </a:p>
           <a:p>
             <a:pPr>
@@ -8730,8 +11100,8 @@
         </p:nvSpPr>
         <p:spPr>
           <a:xfrm>
-            <a:off x="162750" y="1212537"/>
-            <a:ext cx="8818500" cy="5100000"/>
+            <a:off x="162750" y="1452234"/>
+            <a:ext cx="8818500" cy="4415906"/>
           </a:xfrm>
           <a:prstGeom prst="rect">
             <a:avLst/>
@@ -8921,7 +11291,7 @@
         <p:spPr>
           <a:xfrm>
             <a:off x="47951" y="1048078"/>
-            <a:ext cx="6085563" cy="5549670"/>
+            <a:ext cx="6139785" cy="5549670"/>
           </a:xfrm>
         </p:spPr>
         <p:txBody>
@@ -8930,17 +11300,11 @@
           <a:p>
             <a:r>
               <a:rPr lang="en-GB" b="1" dirty="0"/>
-              <a:t>hiding details </a:t>
-            </a:r>
-            <a:r>
-              <a:rPr lang="en-GB" dirty="0"/>
-              <a:t>when they are not important</a:t>
-            </a:r>
-          </a:p>
-          <a:p>
-            <a:r>
-              <a:rPr lang="en-GB" dirty="0"/>
-              <a:t>Different levels of abstraction:</a:t>
+              <a:t>Hiding details </a:t>
+            </a:r>
+            <a:r>
+              <a:rPr lang="en-GB" dirty="0"/>
+              <a:t>when they are not important!</a:t>
             </a:r>
           </a:p>
           <a:p>
@@ -8969,16 +11333,12 @@
               </a:spcBef>
             </a:pPr>
             <a:r>
-              <a:rPr lang="en-GB" dirty="0"/>
-              <a:t>then </a:t>
-            </a:r>
-            <a:r>
               <a:rPr lang="en-GB" b="1" dirty="0"/>
               <a:t>electron devices</a:t>
             </a:r>
             <a:r>
               <a:rPr lang="en-GB" dirty="0"/>
-              <a:t> (transistors) have well-defined connection points (terminals) and we can ignore the individual electrons</a:t>
+              <a:t> (transistors) have well-defined connection points (terminals), we can ignore the individual electrons</a:t>
             </a:r>
           </a:p>
           <a:p>
@@ -9046,6 +11406,25 @@
             </a:r>
             <a:r>
               <a:rPr lang="en-GB" b="1" dirty="0"/>
+              <a:t>micro-architecture</a:t>
+            </a:r>
+            <a:r>
+              <a:rPr lang="en-GB" dirty="0"/>
+              <a:t> level describes the system from data and operations perspective</a:t>
+            </a:r>
+          </a:p>
+          <a:p>
+            <a:pPr lvl="1">
+              <a:spcBef>
+                <a:spcPts val="600"/>
+              </a:spcBef>
+            </a:pPr>
+            <a:r>
+              <a:rPr lang="en-GB" dirty="0"/>
+              <a:t>the </a:t>
+            </a:r>
+            <a:r>
+              <a:rPr lang="en-GB" b="1" dirty="0"/>
               <a:t>architecture</a:t>
             </a:r>
             <a:r>
@@ -9061,7 +11440,7 @@
             </a:pPr>
             <a:r>
               <a:rPr lang="en-GB" dirty="0"/>
-              <a:t>…ad so on with high-level concept: the </a:t>
+              <a:t>…ad so on: </a:t>
             </a:r>
             <a:r>
               <a:rPr lang="en-GB" b="1" dirty="0"/>
@@ -9283,7 +11662,7 @@
           <a:p>
             <a:r>
               <a:rPr lang="en-GB" dirty="0"/>
-              <a:t>intentionally </a:t>
+              <a:t>Intentionally </a:t>
             </a:r>
             <a:r>
               <a:rPr lang="en-GB" b="1" dirty="0"/>
@@ -9315,7 +11694,18 @@
             </a:pPr>
             <a:r>
               <a:rPr lang="en-GB" dirty="0"/>
-              <a:t>previous cars were hand-crafted by skilled men: a time-consuming and expensive process</a:t>
+              <a:t>previous cars were hand-crafted by skilled men</a:t>
+            </a:r>
+          </a:p>
+          <a:p>
+            <a:pPr lvl="2">
+              <a:spcBef>
+                <a:spcPts val="600"/>
+              </a:spcBef>
+            </a:pPr>
+            <a:r>
+              <a:rPr lang="en-GB" dirty="0"/>
+              <a:t>time-consuming and expensive process</a:t>
             </a:r>
           </a:p>
           <a:p>
@@ -9559,7 +11949,15 @@
             </a:pPr>
             <a:r>
               <a:rPr lang="en-GB" dirty="0"/>
-              <a:t>we can break the car into components: chassis, engine, and seats; the engine contains cylinders, carburetor, and cooling system; the carburetor contains fuel and air intakes, a throttle and so forth…the complex system is recursively broken down into simple interchangeable components (hierarchy)</a:t>
+              <a:t>we can break the car into components: chassis, engine, and seats; the engine contains cylinders, carburetor, and cooling system; the carburetor contains fuel and air intakes, a throttle and so forth…the complex system is </a:t>
+            </a:r>
+            <a:r>
+              <a:rPr lang="en-GB" b="1" dirty="0"/>
+              <a:t>recursively broken down into simple interchangeable components</a:t>
+            </a:r>
+            <a:r>
+              <a:rPr lang="en-GB" dirty="0"/>
+              <a:t> (hierarchy)</a:t>
             </a:r>
           </a:p>
           <a:p>
@@ -9570,7 +11968,31 @@
             </a:pPr>
             <a:r>
               <a:rPr lang="en-GB" dirty="0"/>
-              <a:t>the coupling nut has a function of holding the fuel feed line to the intake elbow and it is of a standardized diameter and thread pitch, tightened to a standardized torque by a standardized wrench (modularity)</a:t>
+              <a:t>the coupling nut has a function of holding the fuel feed line to the intake elbow and it is of a </a:t>
+            </a:r>
+            <a:r>
+              <a:rPr lang="en-GB" b="1" dirty="0"/>
+              <a:t>standardized</a:t>
+            </a:r>
+            <a:r>
+              <a:rPr lang="en-GB" dirty="0"/>
+              <a:t> diameter and thread pitch, tightened to a </a:t>
+            </a:r>
+            <a:r>
+              <a:rPr lang="en-GB" b="1" dirty="0"/>
+              <a:t>standardized</a:t>
+            </a:r>
+            <a:r>
+              <a:rPr lang="en-GB" dirty="0"/>
+              <a:t> torque by a </a:t>
+            </a:r>
+            <a:r>
+              <a:rPr lang="en-GB" b="1" dirty="0"/>
+              <a:t>standardized</a:t>
+            </a:r>
+            <a:r>
+              <a:rPr lang="en-GB" dirty="0"/>
+              <a:t> wrench (modularity)</a:t>
             </a:r>
           </a:p>
           <a:p>
@@ -9581,7 +12003,15 @@
             </a:pPr>
             <a:r>
               <a:rPr lang="en-GB" dirty="0"/>
-              <a:t>a car maker can buy the nut from many different suppliers, as long as the correct size is specified (regularity)</a:t>
+              <a:t>a car maker can buy the nut from </a:t>
+            </a:r>
+            <a:r>
+              <a:rPr lang="en-GB" b="1" dirty="0"/>
+              <a:t>many different suppliers</a:t>
+            </a:r>
+            <a:r>
+              <a:rPr lang="en-GB" dirty="0"/>
+              <a:t>, as long as the correct size is specified (regularity)</a:t>
             </a:r>
           </a:p>
         </p:txBody>
@@ -9685,7 +12115,15 @@
           <a:p>
             <a:r>
               <a:rPr lang="en-GB" dirty="0"/>
-              <a:t>Digital circuits use discrete voltages, analog circuits use continuous voltages</a:t>
+              <a:t>Digital circuits use </a:t>
+            </a:r>
+            <a:r>
+              <a:rPr lang="en-GB" b="1" dirty="0"/>
+              <a:t>discrete voltages</a:t>
+            </a:r>
+            <a:r>
+              <a:rPr lang="en-GB" dirty="0"/>
+              <a:t>, analog circuits use continuous voltages</a:t>
             </a:r>
           </a:p>
           <a:p>
@@ -9696,7 +12134,15 @@
             </a:pPr>
             <a:r>
               <a:rPr lang="en-GB" dirty="0"/>
-              <a:t>a subset of analog circuits </a:t>
+              <a:t>a </a:t>
+            </a:r>
+            <a:r>
+              <a:rPr lang="en-GB" b="1" dirty="0"/>
+              <a:t>subset</a:t>
+            </a:r>
+            <a:r>
+              <a:rPr lang="en-GB" dirty="0"/>
+              <a:t> of analog circuits </a:t>
             </a:r>
           </a:p>
           <a:p>
@@ -9707,13 +12153,41 @@
             </a:pPr>
             <a:r>
               <a:rPr lang="en-GB" dirty="0"/>
-              <a:t>much simpler to design</a:t>
-            </a:r>
-          </a:p>
-          <a:p>
-            <a:r>
-              <a:rPr lang="en-GB" dirty="0"/>
-              <a:t>By limiting ourselves to digital circuits, we can easily combine components into sophisticated systems that ultimately outperform those built from analog components in many applications</a:t>
+              <a:t>much </a:t>
+            </a:r>
+            <a:r>
+              <a:rPr lang="en-GB" b="1" dirty="0"/>
+              <a:t>simpler to design</a:t>
+            </a:r>
+          </a:p>
+          <a:p>
+            <a:r>
+              <a:rPr lang="en-GB" dirty="0"/>
+              <a:t>By </a:t>
+            </a:r>
+            <a:r>
+              <a:rPr lang="en-GB" b="1" dirty="0"/>
+              <a:t>limiting ourselves </a:t>
+            </a:r>
+            <a:r>
+              <a:rPr lang="en-GB" dirty="0"/>
+              <a:t>to digital circuits, we can easily </a:t>
+            </a:r>
+            <a:r>
+              <a:rPr lang="en-GB" b="1" dirty="0"/>
+              <a:t>combine components into sophisticated systems</a:t>
+            </a:r>
+            <a:r>
+              <a:rPr lang="en-GB" dirty="0"/>
+              <a:t> that ultimately </a:t>
+            </a:r>
+            <a:r>
+              <a:rPr lang="en-GB" b="1" dirty="0"/>
+              <a:t>outperform</a:t>
+            </a:r>
+            <a:r>
+              <a:rPr lang="en-GB" dirty="0"/>
+              <a:t> those built from analog components in many applications</a:t>
             </a:r>
           </a:p>
           <a:p>
@@ -9723,8 +12197,12 @@
               </a:spcBef>
             </a:pPr>
             <a:r>
-              <a:rPr lang="en-GB" dirty="0"/>
-              <a:t>Digital -televisions, -cameras and -phones are replacing their analog predecessors</a:t>
+              <a:rPr lang="en-GB" b="1" dirty="0"/>
+              <a:t>digital</a:t>
+            </a:r>
+            <a:r>
+              <a:rPr lang="en-GB" dirty="0"/>
+              <a:t> -televisions, -cameras and -phones replace their analog predecessors</a:t>
             </a:r>
           </a:p>
           <a:p>
@@ -9737,8 +12215,12 @@
           </a:p>
           <a:p>
             <a:r>
-              <a:rPr lang="en-GB" dirty="0"/>
-              <a:t>Digital systems represent information with </a:t>
+              <a:rPr lang="en-GB" b="1" dirty="0"/>
+              <a:t>Digital systems </a:t>
+            </a:r>
+            <a:r>
+              <a:rPr lang="en-GB" dirty="0"/>
+              <a:t>represent information with </a:t>
             </a:r>
             <a:r>
               <a:rPr lang="en-GB" b="1" dirty="0"/>
@@ -9786,8 +12268,12 @@
           </a:p>
           <a:p>
             <a:r>
-              <a:rPr lang="en-GB" dirty="0"/>
-              <a:t>Electronic digital system use a </a:t>
+              <a:rPr lang="en-GB" b="1" dirty="0"/>
+              <a:t>Electronic digital system </a:t>
+            </a:r>
+            <a:r>
+              <a:rPr lang="en-GB" dirty="0"/>
+              <a:t>use a </a:t>
             </a:r>
             <a:r>
               <a:rPr lang="en-GB" b="1" dirty="0"/>
@@ -9795,7 +12281,15 @@
             </a:r>
             <a:r>
               <a:rPr lang="en-GB" dirty="0"/>
-              <a:t>(two-valued) in which a high voltage indicates a “1” and a low voltage indicates a “0”</a:t>
+              <a:t>(two-valued) in which a high voltage indicates a “1” and a low voltage indicates a “0” : </a:t>
+            </a:r>
+            <a:r>
+              <a:rPr lang="en-GB" b="1" dirty="0"/>
+              <a:t>bit</a:t>
+            </a:r>
+            <a:r>
+              <a:rPr lang="en-GB" dirty="0"/>
+              <a:t> ("binary digit”)</a:t>
             </a:r>
           </a:p>
           <a:p>
@@ -9806,7 +12300,7 @@
             </a:pPr>
             <a:r>
               <a:rPr lang="en-GB" dirty="0"/>
-              <a:t>it is easier to distinguish between two voltages than ten</a:t>
+              <a:t>why only two? It is easier to distinguish between two voltages than ten</a:t>
             </a:r>
           </a:p>
           <a:p>
@@ -10029,7 +12523,7 @@
             </a:pPr>
             <a:r>
               <a:rPr lang="en-GB" dirty="0"/>
-              <a:t>Digitalization</a:t>
+              <a:t>Digitalization (1)</a:t>
             </a:r>
             <a:endParaRPr dirty="0"/>
           </a:p>
@@ -10085,7 +12579,7 @@
         <p:spPr>
           <a:xfrm>
             <a:off x="311700" y="1043733"/>
-            <a:ext cx="8818500" cy="5317217"/>
+            <a:ext cx="8669550" cy="5317217"/>
           </a:xfrm>
           <a:prstGeom prst="rect">
             <a:avLst/>
@@ -10349,7 +12843,7 @@
           <a:p>
             <a:r>
               <a:rPr lang="en-GB" dirty="0"/>
-              <a:t>However, the numeric representation x of </a:t>
+              <a:t>The numeric representation x of a </a:t>
             </a:r>
             <a:r>
               <a:rPr lang="en-GB" b="1" dirty="0"/>
@@ -10357,7 +12851,15 @@
             </a:r>
             <a:r>
               <a:rPr lang="en-GB" dirty="0"/>
-              <a:t>over time t is continuous x(t)</a:t>
+              <a:t>over time is </a:t>
+            </a:r>
+            <a:r>
+              <a:rPr lang="en-GB" b="1" dirty="0"/>
+              <a:t>continuous</a:t>
+            </a:r>
+            <a:r>
+              <a:rPr lang="en-GB" dirty="0"/>
+              <a:t> x(t)</a:t>
             </a:r>
           </a:p>
           <a:p>
@@ -10379,7 +12881,7 @@
             </a:pPr>
             <a:r>
               <a:rPr lang="en-GB" dirty="0"/>
-              <a:t> e.g. temperature of a room, intensity of a light, or force applied to an object) </a:t>
+              <a:t> e.g. temperature of a room, intensity of a light, force applied to an object, etc </a:t>
             </a:r>
           </a:p>
           <a:p>
@@ -10421,7 +12923,7 @@
           <a:p>
             <a:r>
               <a:rPr lang="en-GB" dirty="0"/>
-              <a:t>So, the </a:t>
+              <a:t>The </a:t>
             </a:r>
             <a:r>
               <a:rPr lang="en-GB" b="1" dirty="0"/>
@@ -10429,7 +12931,21 @@
             </a:r>
             <a:r>
               <a:rPr lang="en-GB" dirty="0"/>
-              <a:t>seems the most suitable and effective. But our abstraction need a device able to convert continuous quantities variables into digital ones</a:t>
+              <a:t>seems the most suitable and effective </a:t>
+            </a:r>
+          </a:p>
+          <a:p>
+            <a:r>
+              <a:rPr lang="en-GB" dirty="0"/>
+              <a:t>Our abstraction needs a device able </a:t>
+            </a:r>
+            <a:r>
+              <a:rPr lang="en-GB" b="1" dirty="0"/>
+              <a:t>to convert</a:t>
+            </a:r>
+            <a:r>
+              <a:rPr lang="en-GB" dirty="0"/>
+              <a:t> continuous quantities variables into digital ones</a:t>
             </a:r>
           </a:p>
           <a:p>
@@ -10459,7 +12975,19 @@
             </a:r>
             <a:r>
               <a:rPr lang="en-GB" dirty="0"/>
-              <a:t> the signal both in time and in amplitude</a:t>
+              <a:t> the signal both </a:t>
+            </a:r>
+            <a:r>
+              <a:rPr lang="en-GB" b="1" dirty="0"/>
+              <a:t>in time </a:t>
+            </a:r>
+            <a:r>
+              <a:rPr lang="en-GB" dirty="0"/>
+              <a:t>and </a:t>
+            </a:r>
+            <a:r>
+              <a:rPr lang="en-GB" b="1" dirty="0"/>
+              <a:t>in amplitude</a:t>
             </a:r>
           </a:p>
           <a:p>
@@ -10604,7 +13132,7 @@
             </a:pPr>
             <a:r>
               <a:rPr lang="en-GB" dirty="0"/>
-              <a:t>Digitalization</a:t>
+              <a:t>Digitalization (2)</a:t>
             </a:r>
             <a:endParaRPr dirty="0"/>
           </a:p>
